--- a/Projet Info – Jeu 2048.pptx
+++ b/Projet Info – Jeu 2048.pptx
@@ -110,6 +110,11 @@
       </a:defRPr>
     </a:lvl9pPr>
   </p:defaultTextStyle>
+  <p:extLst>
+    <p:ext uri="{EFAFB233-063F-42B5-8137-9DF3F51BA10A}">
+      <p15:sldGuideLst xmlns:p15="http://schemas.microsoft.com/office/powerpoint/2012/main"/>
+    </p:ext>
+  </p:extLst>
 </p:presentation>
 </file>
 
@@ -4747,7 +4752,7 @@
           <a:lstStyle/>
           <a:p>
             <a:r>
-              <a:rPr lang="fr-FR" dirty="0"/>
+              <a:rPr lang="fr-FR" b="1" dirty="0"/>
               <a:t>Class Jeu </a:t>
             </a:r>
           </a:p>
@@ -4873,7 +4878,7 @@
         </p:nvSpPr>
         <p:spPr>
           <a:xfrm>
-            <a:off x="5905500" y="1621482"/>
+            <a:off x="7219950" y="1621482"/>
             <a:ext cx="3181350" cy="1200329"/>
           </a:xfrm>
           <a:prstGeom prst="rect">
@@ -4893,7 +4898,7 @@
           <a:lstStyle/>
           <a:p>
             <a:r>
-              <a:rPr lang="fr-FR" dirty="0"/>
+              <a:rPr lang="fr-FR" b="1" dirty="0"/>
               <a:t>Class Widget2048</a:t>
             </a:r>
           </a:p>
@@ -4936,7 +4941,7 @@
         </p:nvSpPr>
         <p:spPr>
           <a:xfrm>
-            <a:off x="4695825" y="4485680"/>
+            <a:off x="5505450" y="4774853"/>
             <a:ext cx="4114800" cy="923330"/>
           </a:xfrm>
           <a:prstGeom prst="rect">
@@ -4956,14 +4961,14 @@
           <a:lstStyle/>
           <a:p>
             <a:r>
-              <a:rPr lang="fr-FR" dirty="0"/>
+              <a:rPr lang="fr-FR" b="1" dirty="0"/>
               <a:t>Class </a:t>
             </a:r>
             <a:r>
-              <a:rPr lang="fr-FR" dirty="0" err="1"/>
+              <a:rPr lang="fr-FR" b="1" dirty="0" err="1"/>
               <a:t>JeuWidget</a:t>
             </a:r>
-            <a:endParaRPr lang="fr-FR" dirty="0"/>
+            <a:endParaRPr lang="fr-FR" b="1" dirty="0"/>
           </a:p>
           <a:p>
             <a:pPr marL="285750" indent="-285750">
@@ -4987,6 +4992,96 @@
           </a:p>
         </p:txBody>
       </p:sp>
+      <p:cxnSp>
+        <p:nvCxnSpPr>
+          <p:cNvPr id="5" name="Connecteur droit avec flèche 4">
+            <a:extLst>
+              <a:ext uri="{FF2B5EF4-FFF2-40B4-BE49-F238E27FC236}">
+                <a16:creationId xmlns:a16="http://schemas.microsoft.com/office/drawing/2014/main" id="{EABF6B86-E4D5-411D-B3D4-F9BCD3DDF31A}"/>
+              </a:ext>
+            </a:extLst>
+          </p:cNvPr>
+          <p:cNvCxnSpPr>
+            <a:stCxn id="7" idx="3"/>
+            <a:endCxn id="9" idx="0"/>
+          </p:cNvCxnSpPr>
+          <p:nvPr/>
+        </p:nvCxnSpPr>
+        <p:spPr>
+          <a:xfrm>
+            <a:off x="4048125" y="2821811"/>
+            <a:ext cx="3514725" cy="1953042"/>
+          </a:xfrm>
+          <a:prstGeom prst="straightConnector1">
+            <a:avLst/>
+          </a:prstGeom>
+          <a:ln>
+            <a:solidFill>
+              <a:srgbClr val="0070C0"/>
+            </a:solidFill>
+            <a:tailEnd type="triangle"/>
+          </a:ln>
+        </p:spPr>
+        <p:style>
+          <a:lnRef idx="1">
+            <a:schemeClr val="accent1"/>
+          </a:lnRef>
+          <a:fillRef idx="0">
+            <a:schemeClr val="accent1"/>
+          </a:fillRef>
+          <a:effectRef idx="0">
+            <a:schemeClr val="accent1"/>
+          </a:effectRef>
+          <a:fontRef idx="minor">
+            <a:schemeClr val="tx1"/>
+          </a:fontRef>
+        </p:style>
+      </p:cxnSp>
+      <p:cxnSp>
+        <p:nvCxnSpPr>
+          <p:cNvPr id="10" name="Connecteur droit avec flèche 9">
+            <a:extLst>
+              <a:ext uri="{FF2B5EF4-FFF2-40B4-BE49-F238E27FC236}">
+                <a16:creationId xmlns:a16="http://schemas.microsoft.com/office/drawing/2014/main" id="{A7C0C10B-89BE-49A2-8E61-62260876F11A}"/>
+              </a:ext>
+            </a:extLst>
+          </p:cNvPr>
+          <p:cNvCxnSpPr>
+            <a:stCxn id="8" idx="2"/>
+            <a:endCxn id="9" idx="0"/>
+          </p:cNvCxnSpPr>
+          <p:nvPr/>
+        </p:nvCxnSpPr>
+        <p:spPr>
+          <a:xfrm flipH="1">
+            <a:off x="7562850" y="2821811"/>
+            <a:ext cx="1247775" cy="1953042"/>
+          </a:xfrm>
+          <a:prstGeom prst="straightConnector1">
+            <a:avLst/>
+          </a:prstGeom>
+          <a:ln>
+            <a:solidFill>
+              <a:srgbClr val="00B050"/>
+            </a:solidFill>
+            <a:tailEnd type="triangle"/>
+          </a:ln>
+        </p:spPr>
+        <p:style>
+          <a:lnRef idx="1">
+            <a:schemeClr val="accent1"/>
+          </a:lnRef>
+          <a:fillRef idx="0">
+            <a:schemeClr val="accent1"/>
+          </a:fillRef>
+          <a:effectRef idx="0">
+            <a:schemeClr val="accent1"/>
+          </a:effectRef>
+          <a:fontRef idx="minor">
+            <a:schemeClr val="tx1"/>
+          </a:fontRef>
+        </p:style>
+      </p:cxnSp>
     </p:spTree>
     <p:extLst>
       <p:ext uri="{BB962C8B-B14F-4D97-AF65-F5344CB8AC3E}">

--- a/Projet Info – Jeu 2048.pptx
+++ b/Projet Info – Jeu 2048.pptx
@@ -5,13 +5,16 @@
     <p:sldMasterId id="2147483672" r:id="rId1"/>
   </p:sldMasterIdLst>
   <p:notesMasterIdLst>
-    <p:notesMasterId r:id="rId6"/>
+    <p:notesMasterId r:id="rId9"/>
   </p:notesMasterIdLst>
   <p:sldIdLst>
     <p:sldId id="256" r:id="rId2"/>
     <p:sldId id="257" r:id="rId3"/>
     <p:sldId id="258" r:id="rId4"/>
     <p:sldId id="259" r:id="rId5"/>
+    <p:sldId id="260" r:id="rId6"/>
+    <p:sldId id="261" r:id="rId7"/>
+    <p:sldId id="262" r:id="rId8"/>
   </p:sldIdLst>
   <p:sldSz cx="12192000" cy="6858000"/>
   <p:notesSz cx="6858000" cy="9144000"/>
@@ -4732,8 +4735,8 @@
         </p:nvSpPr>
         <p:spPr>
           <a:xfrm>
-            <a:off x="714375" y="1390650"/>
-            <a:ext cx="3333750" cy="2862322"/>
+            <a:off x="1447800" y="1767007"/>
+            <a:ext cx="3333750" cy="2031325"/>
           </a:xfrm>
           <a:prstGeom prst="rect">
             <a:avLst/>
@@ -4794,33 +4797,6 @@
               <a:rPr lang="fr-FR" dirty="0"/>
               <a:t>Move </a:t>
             </a:r>
-          </a:p>
-          <a:p>
-            <a:pPr marL="285750" indent="-285750">
-              <a:buFont typeface="Arial" panose="020B0604020202020204" pitchFamily="34" charset="0"/>
-              <a:buChar char="•"/>
-            </a:pPr>
-            <a:r>
-              <a:rPr lang="fr-FR" dirty="0"/>
-              <a:t>Hello</a:t>
-            </a:r>
-          </a:p>
-          <a:p>
-            <a:pPr marL="285750" indent="-285750">
-              <a:buFont typeface="Arial" panose="020B0604020202020204" pitchFamily="34" charset="0"/>
-              <a:buChar char="•"/>
-            </a:pPr>
-            <a:r>
-              <a:rPr lang="fr-FR" dirty="0"/>
-              <a:t>Coucou</a:t>
-            </a:r>
-          </a:p>
-          <a:p>
-            <a:pPr marL="285750" indent="-285750">
-              <a:buFont typeface="Arial" panose="020B0604020202020204" pitchFamily="34" charset="0"/>
-              <a:buChar char="•"/>
-            </a:pPr>
-            <a:endParaRPr lang="fr-FR" dirty="0"/>
           </a:p>
           <a:p>
             <a:pPr marL="285750" indent="-285750">
@@ -5009,13 +4985,13 @@
         </p:nvCxnSpPr>
         <p:spPr>
           <a:xfrm>
-            <a:off x="4048125" y="2821811"/>
-            <a:ext cx="3514725" cy="1953042"/>
+            <a:off x="4781550" y="2782670"/>
+            <a:ext cx="2781300" cy="1992183"/>
           </a:xfrm>
           <a:prstGeom prst="straightConnector1">
             <a:avLst/>
           </a:prstGeom>
-          <a:ln>
+          <a:ln w="19050">
             <a:solidFill>
               <a:srgbClr val="0070C0"/>
             </a:solidFill>
@@ -5060,7 +5036,7 @@
           <a:prstGeom prst="straightConnector1">
             <a:avLst/>
           </a:prstGeom>
-          <a:ln>
+          <a:ln w="19050">
             <a:solidFill>
               <a:srgbClr val="00B050"/>
             </a:solidFill>
@@ -5086,6 +5062,788 @@
     <p:extLst>
       <p:ext uri="{BB962C8B-B14F-4D97-AF65-F5344CB8AC3E}">
         <p14:creationId xmlns:p14="http://schemas.microsoft.com/office/powerpoint/2010/main" val="613423055"/>
+      </p:ext>
+    </p:extLst>
+  </p:cSld>
+  <p:clrMapOvr>
+    <a:masterClrMapping/>
+  </p:clrMapOvr>
+</p:sld>
+</file>
+
+<file path=ppt/slides/slide5.xml><?xml version="1.0" encoding="utf-8"?>
+<p:sld xmlns:a="http://schemas.openxmlformats.org/drawingml/2006/main" xmlns:r="http://schemas.openxmlformats.org/officeDocument/2006/relationships" xmlns:p="http://schemas.openxmlformats.org/presentationml/2006/main">
+  <p:cSld>
+    <p:spTree>
+      <p:nvGrpSpPr>
+        <p:cNvPr id="1" name=""/>
+        <p:cNvGrpSpPr/>
+        <p:nvPr/>
+      </p:nvGrpSpPr>
+      <p:grpSpPr>
+        <a:xfrm>
+          <a:off x="0" y="0"/>
+          <a:ext cx="0" cy="0"/>
+          <a:chOff x="0" y="0"/>
+          <a:chExt cx="0" cy="0"/>
+        </a:xfrm>
+      </p:grpSpPr>
+      <p:sp>
+        <p:nvSpPr>
+          <p:cNvPr id="2" name="Titre 1">
+            <a:extLst>
+              <a:ext uri="{FF2B5EF4-FFF2-40B4-BE49-F238E27FC236}">
+                <a16:creationId xmlns:a16="http://schemas.microsoft.com/office/drawing/2014/main" id="{33C6ACFA-B09B-4631-B2C0-80102278AE9A}"/>
+              </a:ext>
+            </a:extLst>
+          </p:cNvPr>
+          <p:cNvSpPr>
+            <a:spLocks noGrp="1"/>
+          </p:cNvSpPr>
+          <p:nvPr>
+            <p:ph type="title"/>
+          </p:nvPr>
+        </p:nvSpPr>
+        <p:spPr/>
+        <p:txBody>
+          <a:bodyPr>
+            <a:normAutofit fontScale="90000"/>
+          </a:bodyPr>
+          <a:lstStyle/>
+          <a:p>
+            <a:r>
+              <a:rPr lang="fr-FR" dirty="0"/>
+              <a:t>III. Fonctionnement – Class Jeu</a:t>
+            </a:r>
+          </a:p>
+        </p:txBody>
+      </p:sp>
+      <p:sp>
+        <p:nvSpPr>
+          <p:cNvPr id="3" name="Espace réservé du numéro de diapositive 2">
+            <a:extLst>
+              <a:ext uri="{FF2B5EF4-FFF2-40B4-BE49-F238E27FC236}">
+                <a16:creationId xmlns:a16="http://schemas.microsoft.com/office/drawing/2014/main" id="{B824BBC6-97DD-4CAE-B29B-280528D81E37}"/>
+              </a:ext>
+            </a:extLst>
+          </p:cNvPr>
+          <p:cNvSpPr>
+            <a:spLocks noGrp="1"/>
+          </p:cNvSpPr>
+          <p:nvPr>
+            <p:ph type="sldNum" sz="quarter" idx="12"/>
+          </p:nvPr>
+        </p:nvSpPr>
+        <p:spPr/>
+        <p:txBody>
+          <a:bodyPr/>
+          <a:lstStyle/>
+          <a:p>
+            <a:fld id="{110520EA-A511-4D6B-AF81-17E293A5EF3D}" type="slidenum">
+              <a:rPr lang="fr-FR" smtClean="0"/>
+              <a:t>5</a:t>
+            </a:fld>
+            <a:endParaRPr lang="fr-FR"/>
+          </a:p>
+        </p:txBody>
+      </p:sp>
+      <p:sp>
+        <p:nvSpPr>
+          <p:cNvPr id="4" name="ZoneTexte 3">
+            <a:extLst>
+              <a:ext uri="{FF2B5EF4-FFF2-40B4-BE49-F238E27FC236}">
+                <a16:creationId xmlns:a16="http://schemas.microsoft.com/office/drawing/2014/main" id="{8F5505BF-4301-476F-9957-72039CFD0F50}"/>
+              </a:ext>
+            </a:extLst>
+          </p:cNvPr>
+          <p:cNvSpPr txBox="1"/>
+          <p:nvPr/>
+        </p:nvSpPr>
+        <p:spPr>
+          <a:xfrm>
+            <a:off x="314323" y="1428581"/>
+            <a:ext cx="3267075" cy="1754326"/>
+          </a:xfrm>
+          <a:prstGeom prst="rect">
+            <a:avLst/>
+          </a:prstGeom>
+          <a:noFill/>
+          <a:ln w="28575">
+            <a:solidFill>
+              <a:srgbClr val="0070C0"/>
+            </a:solidFill>
+          </a:ln>
+        </p:spPr>
+        <p:txBody>
+          <a:bodyPr wrap="square" rtlCol="0">
+            <a:spAutoFit/>
+          </a:bodyPr>
+          <a:lstStyle/>
+          <a:p>
+            <a:pPr marL="285750" indent="-285750">
+              <a:buFont typeface="Arial" panose="020B0604020202020204" pitchFamily="34" charset="0"/>
+              <a:buChar char="•"/>
+            </a:pPr>
+            <a:r>
+              <a:rPr lang="fr-FR" b="1" dirty="0" err="1"/>
+              <a:t>reset_game</a:t>
+            </a:r>
+            <a:endParaRPr lang="fr-FR" b="1" dirty="0"/>
+          </a:p>
+          <a:p>
+            <a:r>
+              <a:rPr lang="fr-FR" dirty="0"/>
+              <a:t>Met à jour la grille initiale : 2 tuiles non nulles</a:t>
+            </a:r>
+          </a:p>
+          <a:p>
+            <a:pPr marL="285750" indent="-285750">
+              <a:buFont typeface="Arial" panose="020B0604020202020204" pitchFamily="34" charset="0"/>
+              <a:buChar char="•"/>
+            </a:pPr>
+            <a:r>
+              <a:rPr lang="fr-FR" b="1" dirty="0" err="1"/>
+              <a:t>addTiles</a:t>
+            </a:r>
+            <a:endParaRPr lang="fr-FR" b="1" dirty="0"/>
+          </a:p>
+          <a:p>
+            <a:r>
+              <a:rPr lang="fr-FR" dirty="0"/>
+              <a:t>ajoute aléatoirement un 2 sur la grille (ou 4, 10% chance)</a:t>
+            </a:r>
+          </a:p>
+        </p:txBody>
+      </p:sp>
+      <p:sp>
+        <p:nvSpPr>
+          <p:cNvPr id="5" name="ZoneTexte 4">
+            <a:extLst>
+              <a:ext uri="{FF2B5EF4-FFF2-40B4-BE49-F238E27FC236}">
+                <a16:creationId xmlns:a16="http://schemas.microsoft.com/office/drawing/2014/main" id="{807470CA-1175-4C93-AD2B-98EE8A222C43}"/>
+              </a:ext>
+            </a:extLst>
+          </p:cNvPr>
+          <p:cNvSpPr txBox="1"/>
+          <p:nvPr/>
+        </p:nvSpPr>
+        <p:spPr>
+          <a:xfrm>
+            <a:off x="3895729" y="1427122"/>
+            <a:ext cx="4848225" cy="3416320"/>
+          </a:xfrm>
+          <a:prstGeom prst="rect">
+            <a:avLst/>
+          </a:prstGeom>
+          <a:noFill/>
+          <a:ln w="28575">
+            <a:solidFill>
+              <a:srgbClr val="FFC000"/>
+            </a:solidFill>
+          </a:ln>
+        </p:spPr>
+        <p:txBody>
+          <a:bodyPr wrap="square" rtlCol="0">
+            <a:spAutoFit/>
+          </a:bodyPr>
+          <a:lstStyle/>
+          <a:p>
+            <a:pPr marL="285750" indent="-285750">
+              <a:buFont typeface="Arial" panose="020B0604020202020204" pitchFamily="34" charset="0"/>
+              <a:buChar char="•"/>
+            </a:pPr>
+            <a:r>
+              <a:rPr lang="fr-FR" b="1" dirty="0" err="1"/>
+              <a:t>rotateMatrix</a:t>
+            </a:r>
+            <a:endParaRPr lang="fr-FR" b="1" dirty="0"/>
+          </a:p>
+          <a:p>
+            <a:r>
+              <a:rPr lang="fr-FR" dirty="0"/>
+              <a:t>fait tourner de 90° dan sans trigo la matrice</a:t>
+            </a:r>
+          </a:p>
+          <a:p>
+            <a:pPr marL="285750" indent="-285750">
+              <a:buFont typeface="Arial" panose="020B0604020202020204" pitchFamily="34" charset="0"/>
+              <a:buChar char="•"/>
+            </a:pPr>
+            <a:r>
+              <a:rPr lang="fr-FR" b="1" dirty="0" err="1"/>
+              <a:t>rotateMatrixMultiple</a:t>
+            </a:r>
+            <a:endParaRPr lang="fr-FR" b="1" dirty="0"/>
+          </a:p>
+          <a:p>
+            <a:r>
+              <a:rPr lang="fr-FR" dirty="0"/>
+              <a:t>plusieurs rotation de 90°</a:t>
+            </a:r>
+          </a:p>
+          <a:p>
+            <a:pPr marL="285750" indent="-285750">
+              <a:buFont typeface="Arial" panose="020B0604020202020204" pitchFamily="34" charset="0"/>
+              <a:buChar char="•"/>
+            </a:pPr>
+            <a:r>
+              <a:rPr lang="fr-FR" b="1" dirty="0" err="1"/>
+              <a:t>move_left</a:t>
+            </a:r>
+            <a:endParaRPr lang="fr-FR" b="1" dirty="0"/>
+          </a:p>
+          <a:p>
+            <a:r>
+              <a:rPr lang="fr-FR" dirty="0"/>
+              <a:t>mouvement de toutes les tuiles vers la gauche, additionne les cases identiques </a:t>
+            </a:r>
+          </a:p>
+          <a:p>
+            <a:pPr marL="285750" indent="-285750">
+              <a:buFont typeface="Arial" panose="020B0604020202020204" pitchFamily="34" charset="0"/>
+              <a:buChar char="•"/>
+            </a:pPr>
+            <a:r>
+              <a:rPr lang="fr-FR" b="1" dirty="0" err="1"/>
+              <a:t>rotate</a:t>
+            </a:r>
+            <a:endParaRPr lang="fr-FR" b="1" dirty="0"/>
+          </a:p>
+          <a:p>
+            <a:r>
+              <a:rPr lang="fr-FR" dirty="0"/>
+              <a:t>rotation par rapport au mouvement gauche : pour avoir une seule fonction move</a:t>
+            </a:r>
+          </a:p>
+          <a:p>
+            <a:pPr marL="285750" indent="-285750">
+              <a:buFont typeface="Arial" panose="020B0604020202020204" pitchFamily="34" charset="0"/>
+              <a:buChar char="•"/>
+            </a:pPr>
+            <a:r>
+              <a:rPr lang="fr-FR" b="1" dirty="0" err="1"/>
+              <a:t>rotate_back</a:t>
+            </a:r>
+            <a:endParaRPr lang="fr-FR" b="1" dirty="0"/>
+          </a:p>
+          <a:p>
+            <a:r>
+              <a:rPr lang="fr-FR" dirty="0"/>
+              <a:t>rotation retour après le mouvement</a:t>
+            </a:r>
+          </a:p>
+        </p:txBody>
+      </p:sp>
+      <p:sp>
+        <p:nvSpPr>
+          <p:cNvPr id="6" name="ZoneTexte 5">
+            <a:extLst>
+              <a:ext uri="{FF2B5EF4-FFF2-40B4-BE49-F238E27FC236}">
+                <a16:creationId xmlns:a16="http://schemas.microsoft.com/office/drawing/2014/main" id="{14B791EA-D603-4BBB-9052-6CC68BEA60CA}"/>
+              </a:ext>
+            </a:extLst>
+          </p:cNvPr>
+          <p:cNvSpPr txBox="1"/>
+          <p:nvPr/>
+        </p:nvSpPr>
+        <p:spPr>
+          <a:xfrm>
+            <a:off x="9096373" y="1429439"/>
+            <a:ext cx="2162177" cy="2308324"/>
+          </a:xfrm>
+          <a:prstGeom prst="rect">
+            <a:avLst/>
+          </a:prstGeom>
+          <a:noFill/>
+          <a:ln w="28575">
+            <a:solidFill>
+              <a:srgbClr val="00B050"/>
+            </a:solidFill>
+          </a:ln>
+        </p:spPr>
+        <p:txBody>
+          <a:bodyPr wrap="square" rtlCol="0">
+            <a:spAutoFit/>
+          </a:bodyPr>
+          <a:lstStyle/>
+          <a:p>
+            <a:pPr marL="285750" indent="-285750">
+              <a:buFont typeface="Arial" panose="020B0604020202020204" pitchFamily="34" charset="0"/>
+              <a:buChar char="•"/>
+            </a:pPr>
+            <a:r>
+              <a:rPr lang="fr-FR" b="1" dirty="0"/>
+              <a:t>move</a:t>
+            </a:r>
+          </a:p>
+          <a:p>
+            <a:r>
+              <a:rPr lang="fr-FR" dirty="0"/>
+              <a:t>rotation, coup, rotation retour, suivant la direction</a:t>
+            </a:r>
+          </a:p>
+          <a:p>
+            <a:pPr marL="285750" indent="-285750">
+              <a:buFont typeface="Arial" panose="020B0604020202020204" pitchFamily="34" charset="0"/>
+              <a:buChar char="•"/>
+            </a:pPr>
+            <a:r>
+              <a:rPr lang="fr-FR" b="1" dirty="0"/>
+              <a:t>up</a:t>
+            </a:r>
+          </a:p>
+          <a:p>
+            <a:pPr marL="285750" indent="-285750">
+              <a:buFont typeface="Arial" panose="020B0604020202020204" pitchFamily="34" charset="0"/>
+              <a:buChar char="•"/>
+            </a:pPr>
+            <a:r>
+              <a:rPr lang="fr-FR" b="1" dirty="0"/>
+              <a:t>down</a:t>
+            </a:r>
+          </a:p>
+          <a:p>
+            <a:pPr marL="285750" indent="-285750">
+              <a:buFont typeface="Arial" panose="020B0604020202020204" pitchFamily="34" charset="0"/>
+              <a:buChar char="•"/>
+            </a:pPr>
+            <a:r>
+              <a:rPr lang="fr-FR" b="1" dirty="0"/>
+              <a:t>right </a:t>
+            </a:r>
+          </a:p>
+          <a:p>
+            <a:pPr marL="285750" indent="-285750">
+              <a:buFont typeface="Arial" panose="020B0604020202020204" pitchFamily="34" charset="0"/>
+              <a:buChar char="•"/>
+            </a:pPr>
+            <a:r>
+              <a:rPr lang="fr-FR" b="1" dirty="0" err="1"/>
+              <a:t>left</a:t>
+            </a:r>
+            <a:endParaRPr lang="fr-FR" b="1" dirty="0"/>
+          </a:p>
+        </p:txBody>
+      </p:sp>
+      <p:sp>
+        <p:nvSpPr>
+          <p:cNvPr id="7" name="ZoneTexte 6">
+            <a:extLst>
+              <a:ext uri="{FF2B5EF4-FFF2-40B4-BE49-F238E27FC236}">
+                <a16:creationId xmlns:a16="http://schemas.microsoft.com/office/drawing/2014/main" id="{16CBF82A-F2C8-4556-913B-BD602A972C72}"/>
+              </a:ext>
+            </a:extLst>
+          </p:cNvPr>
+          <p:cNvSpPr txBox="1"/>
+          <p:nvPr/>
+        </p:nvSpPr>
+        <p:spPr>
+          <a:xfrm>
+            <a:off x="5324478" y="1034438"/>
+            <a:ext cx="3686175" cy="369332"/>
+          </a:xfrm>
+          <a:prstGeom prst="rect">
+            <a:avLst/>
+          </a:prstGeom>
+          <a:noFill/>
+        </p:spPr>
+        <p:txBody>
+          <a:bodyPr wrap="square" rtlCol="0">
+            <a:spAutoFit/>
+          </a:bodyPr>
+          <a:lstStyle/>
+          <a:p>
+            <a:r>
+              <a:rPr lang="fr-FR" b="1" dirty="0">
+                <a:solidFill>
+                  <a:srgbClr val="FFC000"/>
+                </a:solidFill>
+              </a:rPr>
+              <a:t>Définition d’un coup</a:t>
+            </a:r>
+          </a:p>
+        </p:txBody>
+      </p:sp>
+      <p:sp>
+        <p:nvSpPr>
+          <p:cNvPr id="9" name="ZoneTexte 8">
+            <a:extLst>
+              <a:ext uri="{FF2B5EF4-FFF2-40B4-BE49-F238E27FC236}">
+                <a16:creationId xmlns:a16="http://schemas.microsoft.com/office/drawing/2014/main" id="{8DDBE1AA-FB1C-4FFD-8104-A0828C042999}"/>
+              </a:ext>
+            </a:extLst>
+          </p:cNvPr>
+          <p:cNvSpPr txBox="1"/>
+          <p:nvPr/>
+        </p:nvSpPr>
+        <p:spPr>
+          <a:xfrm>
+            <a:off x="828673" y="1042877"/>
+            <a:ext cx="2752725" cy="369332"/>
+          </a:xfrm>
+          <a:prstGeom prst="rect">
+            <a:avLst/>
+          </a:prstGeom>
+          <a:noFill/>
+        </p:spPr>
+        <p:txBody>
+          <a:bodyPr wrap="square" rtlCol="0">
+            <a:spAutoFit/>
+          </a:bodyPr>
+          <a:lstStyle/>
+          <a:p>
+            <a:r>
+              <a:rPr lang="fr-FR" b="1" dirty="0">
+                <a:solidFill>
+                  <a:srgbClr val="0070C0"/>
+                </a:solidFill>
+              </a:rPr>
+              <a:t>Préparer la grille</a:t>
+            </a:r>
+          </a:p>
+        </p:txBody>
+      </p:sp>
+      <p:sp>
+        <p:nvSpPr>
+          <p:cNvPr id="10" name="ZoneTexte 9">
+            <a:extLst>
+              <a:ext uri="{FF2B5EF4-FFF2-40B4-BE49-F238E27FC236}">
+                <a16:creationId xmlns:a16="http://schemas.microsoft.com/office/drawing/2014/main" id="{882CCAAE-970D-48AB-955B-2C72AB2E687B}"/>
+              </a:ext>
+            </a:extLst>
+          </p:cNvPr>
+          <p:cNvSpPr txBox="1"/>
+          <p:nvPr/>
+        </p:nvSpPr>
+        <p:spPr>
+          <a:xfrm>
+            <a:off x="9260677" y="1038129"/>
+            <a:ext cx="3076577" cy="369332"/>
+          </a:xfrm>
+          <a:prstGeom prst="rect">
+            <a:avLst/>
+          </a:prstGeom>
+          <a:noFill/>
+        </p:spPr>
+        <p:txBody>
+          <a:bodyPr wrap="square" rtlCol="0">
+            <a:spAutoFit/>
+          </a:bodyPr>
+          <a:lstStyle/>
+          <a:p>
+            <a:r>
+              <a:rPr lang="fr-FR" b="1" dirty="0">
+                <a:solidFill>
+                  <a:srgbClr val="00B050"/>
+                </a:solidFill>
+              </a:rPr>
+              <a:t>Réaliser le coup</a:t>
+            </a:r>
+          </a:p>
+        </p:txBody>
+      </p:sp>
+      <p:sp>
+        <p:nvSpPr>
+          <p:cNvPr id="11" name="ZoneTexte 10">
+            <a:extLst>
+              <a:ext uri="{FF2B5EF4-FFF2-40B4-BE49-F238E27FC236}">
+                <a16:creationId xmlns:a16="http://schemas.microsoft.com/office/drawing/2014/main" id="{00E0FB47-CF32-4DC9-ADB0-2C0A7C2C6225}"/>
+              </a:ext>
+            </a:extLst>
+          </p:cNvPr>
+          <p:cNvSpPr txBox="1"/>
+          <p:nvPr/>
+        </p:nvSpPr>
+        <p:spPr>
+          <a:xfrm>
+            <a:off x="4402927" y="5004123"/>
+            <a:ext cx="5667375" cy="1200329"/>
+          </a:xfrm>
+          <a:prstGeom prst="rect">
+            <a:avLst/>
+          </a:prstGeom>
+          <a:noFill/>
+          <a:ln w="28575">
+            <a:solidFill>
+              <a:srgbClr val="CC0099"/>
+            </a:solidFill>
+          </a:ln>
+        </p:spPr>
+        <p:txBody>
+          <a:bodyPr wrap="square" rtlCol="0">
+            <a:spAutoFit/>
+          </a:bodyPr>
+          <a:lstStyle/>
+          <a:p>
+            <a:pPr marL="285750" indent="-285750">
+              <a:buFont typeface="Arial" panose="020B0604020202020204" pitchFamily="34" charset="0"/>
+              <a:buChar char="•"/>
+            </a:pPr>
+            <a:r>
+              <a:rPr lang="fr-FR" b="1" dirty="0" err="1"/>
+              <a:t>updateTiles</a:t>
+            </a:r>
+            <a:endParaRPr lang="fr-FR" b="1" dirty="0"/>
+          </a:p>
+          <a:p>
+            <a:r>
+              <a:rPr lang="fr-FR" dirty="0"/>
+              <a:t>Met à jour la valeurs des cases sur la grille et ajoute 2 ou 4</a:t>
+            </a:r>
+          </a:p>
+          <a:p>
+            <a:pPr marL="285750" indent="-285750">
+              <a:buFont typeface="Arial" panose="020B0604020202020204" pitchFamily="34" charset="0"/>
+              <a:buChar char="•"/>
+            </a:pPr>
+            <a:r>
+              <a:rPr lang="fr-FR" b="1" dirty="0" err="1"/>
+              <a:t>movesAvailable</a:t>
+            </a:r>
+            <a:endParaRPr lang="fr-FR" b="1" dirty="0"/>
+          </a:p>
+          <a:p>
+            <a:r>
+              <a:rPr lang="fr-FR" dirty="0"/>
+              <a:t>Regarde les cases dispo pour savoir si </a:t>
+            </a:r>
+            <a:r>
+              <a:rPr lang="fr-FR" dirty="0" err="1"/>
+              <a:t>game</a:t>
+            </a:r>
+            <a:r>
+              <a:rPr lang="fr-FR" dirty="0"/>
+              <a:t> over</a:t>
+            </a:r>
+          </a:p>
+        </p:txBody>
+      </p:sp>
+      <p:sp>
+        <p:nvSpPr>
+          <p:cNvPr id="12" name="ZoneTexte 11">
+            <a:extLst>
+              <a:ext uri="{FF2B5EF4-FFF2-40B4-BE49-F238E27FC236}">
+                <a16:creationId xmlns:a16="http://schemas.microsoft.com/office/drawing/2014/main" id="{D2470068-3316-4D4D-8088-C61FAA970A2F}"/>
+              </a:ext>
+            </a:extLst>
+          </p:cNvPr>
+          <p:cNvSpPr txBox="1"/>
+          <p:nvPr/>
+        </p:nvSpPr>
+        <p:spPr>
+          <a:xfrm>
+            <a:off x="1906905" y="5281121"/>
+            <a:ext cx="2457450" cy="646331"/>
+          </a:xfrm>
+          <a:prstGeom prst="rect">
+            <a:avLst/>
+          </a:prstGeom>
+          <a:noFill/>
+        </p:spPr>
+        <p:txBody>
+          <a:bodyPr wrap="square" rtlCol="0">
+            <a:spAutoFit/>
+          </a:bodyPr>
+          <a:lstStyle/>
+          <a:p>
+            <a:r>
+              <a:rPr lang="fr-FR" b="1" dirty="0">
+                <a:solidFill>
+                  <a:srgbClr val="CC0099"/>
+                </a:solidFill>
+              </a:rPr>
+              <a:t>Mise à jour de la grille à la fin du coup</a:t>
+            </a:r>
+          </a:p>
+        </p:txBody>
+      </p:sp>
+    </p:spTree>
+    <p:extLst>
+      <p:ext uri="{BB962C8B-B14F-4D97-AF65-F5344CB8AC3E}">
+        <p14:creationId xmlns:p14="http://schemas.microsoft.com/office/powerpoint/2010/main" val="340171139"/>
+      </p:ext>
+    </p:extLst>
+  </p:cSld>
+  <p:clrMapOvr>
+    <a:masterClrMapping/>
+  </p:clrMapOvr>
+</p:sld>
+</file>
+
+<file path=ppt/slides/slide6.xml><?xml version="1.0" encoding="utf-8"?>
+<p:sld xmlns:a="http://schemas.openxmlformats.org/drawingml/2006/main" xmlns:r="http://schemas.openxmlformats.org/officeDocument/2006/relationships" xmlns:p="http://schemas.openxmlformats.org/presentationml/2006/main">
+  <p:cSld>
+    <p:spTree>
+      <p:nvGrpSpPr>
+        <p:cNvPr id="1" name=""/>
+        <p:cNvGrpSpPr/>
+        <p:nvPr/>
+      </p:nvGrpSpPr>
+      <p:grpSpPr>
+        <a:xfrm>
+          <a:off x="0" y="0"/>
+          <a:ext cx="0" cy="0"/>
+          <a:chOff x="0" y="0"/>
+          <a:chExt cx="0" cy="0"/>
+        </a:xfrm>
+      </p:grpSpPr>
+      <p:sp>
+        <p:nvSpPr>
+          <p:cNvPr id="2" name="Titre 1">
+            <a:extLst>
+              <a:ext uri="{FF2B5EF4-FFF2-40B4-BE49-F238E27FC236}">
+                <a16:creationId xmlns:a16="http://schemas.microsoft.com/office/drawing/2014/main" id="{A5BEB0AE-347E-466E-8EB9-5A3A880AB963}"/>
+              </a:ext>
+            </a:extLst>
+          </p:cNvPr>
+          <p:cNvSpPr>
+            <a:spLocks noGrp="1"/>
+          </p:cNvSpPr>
+          <p:nvPr>
+            <p:ph type="title"/>
+          </p:nvPr>
+        </p:nvSpPr>
+        <p:spPr/>
+        <p:txBody>
+          <a:bodyPr>
+            <a:normAutofit fontScale="90000"/>
+          </a:bodyPr>
+          <a:lstStyle/>
+          <a:p>
+            <a:r>
+              <a:rPr lang="fr-FR" dirty="0"/>
+              <a:t>III. Fonctionnement – Class Widget2048</a:t>
+            </a:r>
+          </a:p>
+        </p:txBody>
+      </p:sp>
+      <p:sp>
+        <p:nvSpPr>
+          <p:cNvPr id="3" name="Espace réservé du numéro de diapositive 2">
+            <a:extLst>
+              <a:ext uri="{FF2B5EF4-FFF2-40B4-BE49-F238E27FC236}">
+                <a16:creationId xmlns:a16="http://schemas.microsoft.com/office/drawing/2014/main" id="{0E8D7F63-7D3F-45AD-ADB7-8602BF0DF414}"/>
+              </a:ext>
+            </a:extLst>
+          </p:cNvPr>
+          <p:cNvSpPr>
+            <a:spLocks noGrp="1"/>
+          </p:cNvSpPr>
+          <p:nvPr>
+            <p:ph type="sldNum" sz="quarter" idx="12"/>
+          </p:nvPr>
+        </p:nvSpPr>
+        <p:spPr/>
+        <p:txBody>
+          <a:bodyPr/>
+          <a:lstStyle/>
+          <a:p>
+            <a:fld id="{110520EA-A511-4D6B-AF81-17E293A5EF3D}" type="slidenum">
+              <a:rPr lang="fr-FR" smtClean="0"/>
+              <a:t>6</a:t>
+            </a:fld>
+            <a:endParaRPr lang="fr-FR"/>
+          </a:p>
+        </p:txBody>
+      </p:sp>
+    </p:spTree>
+    <p:extLst>
+      <p:ext uri="{BB962C8B-B14F-4D97-AF65-F5344CB8AC3E}">
+        <p14:creationId xmlns:p14="http://schemas.microsoft.com/office/powerpoint/2010/main" val="4265473194"/>
+      </p:ext>
+    </p:extLst>
+  </p:cSld>
+  <p:clrMapOvr>
+    <a:masterClrMapping/>
+  </p:clrMapOvr>
+</p:sld>
+</file>
+
+<file path=ppt/slides/slide7.xml><?xml version="1.0" encoding="utf-8"?>
+<p:sld xmlns:a="http://schemas.openxmlformats.org/drawingml/2006/main" xmlns:r="http://schemas.openxmlformats.org/officeDocument/2006/relationships" xmlns:p="http://schemas.openxmlformats.org/presentationml/2006/main">
+  <p:cSld>
+    <p:spTree>
+      <p:nvGrpSpPr>
+        <p:cNvPr id="1" name=""/>
+        <p:cNvGrpSpPr/>
+        <p:nvPr/>
+      </p:nvGrpSpPr>
+      <p:grpSpPr>
+        <a:xfrm>
+          <a:off x="0" y="0"/>
+          <a:ext cx="0" cy="0"/>
+          <a:chOff x="0" y="0"/>
+          <a:chExt cx="0" cy="0"/>
+        </a:xfrm>
+      </p:grpSpPr>
+      <p:sp>
+        <p:nvSpPr>
+          <p:cNvPr id="2" name="Titre 1">
+            <a:extLst>
+              <a:ext uri="{FF2B5EF4-FFF2-40B4-BE49-F238E27FC236}">
+                <a16:creationId xmlns:a16="http://schemas.microsoft.com/office/drawing/2014/main" id="{18663587-05E3-4D40-ADE4-2FE75B72B76D}"/>
+              </a:ext>
+            </a:extLst>
+          </p:cNvPr>
+          <p:cNvSpPr>
+            <a:spLocks noGrp="1"/>
+          </p:cNvSpPr>
+          <p:nvPr>
+            <p:ph type="title"/>
+          </p:nvPr>
+        </p:nvSpPr>
+        <p:spPr/>
+        <p:txBody>
+          <a:bodyPr>
+            <a:normAutofit fontScale="90000"/>
+          </a:bodyPr>
+          <a:lstStyle/>
+          <a:p>
+            <a:r>
+              <a:rPr lang="fr-FR" dirty="0"/>
+              <a:t>III. Fonctionnement – Class </a:t>
+            </a:r>
+            <a:r>
+              <a:rPr lang="fr-FR" dirty="0" err="1"/>
+              <a:t>JeuWidget</a:t>
+            </a:r>
+            <a:endParaRPr lang="fr-FR" dirty="0"/>
+          </a:p>
+        </p:txBody>
+      </p:sp>
+      <p:sp>
+        <p:nvSpPr>
+          <p:cNvPr id="3" name="Espace réservé du numéro de diapositive 2">
+            <a:extLst>
+              <a:ext uri="{FF2B5EF4-FFF2-40B4-BE49-F238E27FC236}">
+                <a16:creationId xmlns:a16="http://schemas.microsoft.com/office/drawing/2014/main" id="{C99F9832-0731-4EA6-B86D-E78BD8E35D71}"/>
+              </a:ext>
+            </a:extLst>
+          </p:cNvPr>
+          <p:cNvSpPr>
+            <a:spLocks noGrp="1"/>
+          </p:cNvSpPr>
+          <p:nvPr>
+            <p:ph type="sldNum" sz="quarter" idx="12"/>
+          </p:nvPr>
+        </p:nvSpPr>
+        <p:spPr/>
+        <p:txBody>
+          <a:bodyPr/>
+          <a:lstStyle/>
+          <a:p>
+            <a:fld id="{110520EA-A511-4D6B-AF81-17E293A5EF3D}" type="slidenum">
+              <a:rPr lang="fr-FR" smtClean="0"/>
+              <a:t>7</a:t>
+            </a:fld>
+            <a:endParaRPr lang="fr-FR"/>
+          </a:p>
+        </p:txBody>
+      </p:sp>
+    </p:spTree>
+    <p:extLst>
+      <p:ext uri="{BB962C8B-B14F-4D97-AF65-F5344CB8AC3E}">
+        <p14:creationId xmlns:p14="http://schemas.microsoft.com/office/powerpoint/2010/main" val="3447782666"/>
       </p:ext>
     </p:extLst>
   </p:cSld>

--- a/Projet Info – Jeu 2048.pptx
+++ b/Projet Info – Jeu 2048.pptx
@@ -203,7 +203,7 @@
           <a:p>
             <a:fld id="{BE80EC0B-BD71-40E8-BA6B-7DEDCF521DA2}" type="datetimeFigureOut">
               <a:rPr lang="fr-FR" smtClean="0"/>
-              <a:t>12/02/2020</a:t>
+              <a:t>13/02/2020</a:t>
             </a:fld>
             <a:endParaRPr lang="fr-FR"/>
           </a:p>
@@ -696,7 +696,7 @@
           <a:p>
             <a:fld id="{36E3CDB5-9ADF-4508-9522-1A5F4CCD8DA4}" type="datetime1">
               <a:rPr lang="fr-FR" smtClean="0"/>
-              <a:t>12/02/2020</a:t>
+              <a:t>13/02/2020</a:t>
             </a:fld>
             <a:endParaRPr lang="fr-FR"/>
           </a:p>
@@ -904,7 +904,7 @@
           <a:p>
             <a:fld id="{991F84A3-7A17-4694-B3A7-5693F6B26803}" type="datetime1">
               <a:rPr lang="fr-FR" smtClean="0"/>
-              <a:t>12/02/2020</a:t>
+              <a:t>13/02/2020</a:t>
             </a:fld>
             <a:endParaRPr lang="fr-FR"/>
           </a:p>
@@ -1160,7 +1160,7 @@
           <a:p>
             <a:fld id="{679F5552-42D0-4F11-9293-9A9B9F87B830}" type="datetime1">
               <a:rPr lang="fr-FR" smtClean="0"/>
-              <a:t>12/02/2020</a:t>
+              <a:t>13/02/2020</a:t>
             </a:fld>
             <a:endParaRPr lang="fr-FR"/>
           </a:p>
@@ -1330,7 +1330,7 @@
           <a:p>
             <a:fld id="{6B67BEF6-86A0-4435-96FD-820E1F8A718C}" type="datetime1">
               <a:rPr lang="fr-FR" smtClean="0"/>
-              <a:t>12/02/2020</a:t>
+              <a:t>13/02/2020</a:t>
             </a:fld>
             <a:endParaRPr lang="fr-FR"/>
           </a:p>
@@ -1673,7 +1673,7 @@
           <a:p>
             <a:fld id="{DA91F3EA-4409-4CBC-A0B0-F077A03D5208}" type="datetime1">
               <a:rPr lang="fr-FR" smtClean="0"/>
-              <a:t>12/02/2020</a:t>
+              <a:t>13/02/2020</a:t>
             </a:fld>
             <a:endParaRPr lang="fr-FR"/>
           </a:p>
@@ -1948,7 +1948,7 @@
           <a:p>
             <a:fld id="{F57735D5-45E6-4E70-8AE2-EC3C26243351}" type="datetime1">
               <a:rPr lang="fr-FR" smtClean="0"/>
-              <a:t>12/02/2020</a:t>
+              <a:t>13/02/2020</a:t>
             </a:fld>
             <a:endParaRPr lang="fr-FR"/>
           </a:p>
@@ -2327,7 +2327,7 @@
           <a:p>
             <a:fld id="{14E87F31-D746-4D9A-AB9A-0A7E0B9EDB06}" type="datetime1">
               <a:rPr lang="fr-FR" smtClean="0"/>
-              <a:t>12/02/2020</a:t>
+              <a:t>13/02/2020</a:t>
             </a:fld>
             <a:endParaRPr lang="fr-FR"/>
           </a:p>
@@ -2445,7 +2445,7 @@
           <a:p>
             <a:fld id="{F50DD8B8-564C-438C-925E-A86BB6B75643}" type="datetime1">
               <a:rPr lang="fr-FR" smtClean="0"/>
-              <a:t>12/02/2020</a:t>
+              <a:t>13/02/2020</a:t>
             </a:fld>
             <a:endParaRPr lang="fr-FR"/>
           </a:p>
@@ -2616,7 +2616,7 @@
           <a:p>
             <a:fld id="{2AB2F1CD-DAFC-49D4-BE36-CB702C9788C7}" type="datetime1">
               <a:rPr lang="fr-FR" smtClean="0"/>
-              <a:t>12/02/2020</a:t>
+              <a:t>13/02/2020</a:t>
             </a:fld>
             <a:endParaRPr lang="fr-FR"/>
           </a:p>
@@ -2970,7 +2970,7 @@
           <a:p>
             <a:fld id="{FCD1B47F-E887-4466-BEEF-DF876A9B42D4}" type="datetime1">
               <a:rPr lang="fr-FR" smtClean="0"/>
-              <a:t>12/02/2020</a:t>
+              <a:t>13/02/2020</a:t>
             </a:fld>
             <a:endParaRPr lang="fr-FR"/>
           </a:p>
@@ -3347,7 +3347,7 @@
           <a:p>
             <a:fld id="{F0D484E4-8925-47BE-ADF5-A371DA8C5BA3}" type="datetime1">
               <a:rPr lang="fr-FR" smtClean="0"/>
-              <a:t>12/02/2020</a:t>
+              <a:t>13/02/2020</a:t>
             </a:fld>
             <a:endParaRPr lang="fr-FR"/>
           </a:p>
@@ -3634,7 +3634,7 @@
           <a:p>
             <a:fld id="{0B7BD6F9-0526-4179-A79F-BAD1866B8FEC}" type="datetime1">
               <a:rPr lang="fr-FR" smtClean="0"/>
-              <a:t>12/02/2020</a:t>
+              <a:t>13/02/2020</a:t>
             </a:fld>
             <a:endParaRPr lang="fr-FR"/>
           </a:p>
@@ -5746,6 +5746,96 @@
           </a:p>
         </p:txBody>
       </p:sp>
+      <p:sp>
+        <p:nvSpPr>
+          <p:cNvPr id="4" name="ZoneTexte 3">
+            <a:extLst>
+              <a:ext uri="{FF2B5EF4-FFF2-40B4-BE49-F238E27FC236}">
+                <a16:creationId xmlns:a16="http://schemas.microsoft.com/office/drawing/2014/main" id="{65168FDB-E11E-4083-8098-F79955CE2ABB}"/>
+              </a:ext>
+            </a:extLst>
+          </p:cNvPr>
+          <p:cNvSpPr txBox="1"/>
+          <p:nvPr/>
+        </p:nvSpPr>
+        <p:spPr>
+          <a:xfrm>
+            <a:off x="1097280" y="1352550"/>
+            <a:ext cx="10115203" cy="2308324"/>
+          </a:xfrm>
+          <a:prstGeom prst="rect">
+            <a:avLst/>
+          </a:prstGeom>
+          <a:noFill/>
+        </p:spPr>
+        <p:txBody>
+          <a:bodyPr wrap="square" rtlCol="0">
+            <a:spAutoFit/>
+          </a:bodyPr>
+          <a:lstStyle/>
+          <a:p>
+            <a:r>
+              <a:rPr lang="fr-FR" dirty="0"/>
+              <a:t>Hérite de </a:t>
+            </a:r>
+            <a:r>
+              <a:rPr lang="fr-FR" dirty="0" err="1"/>
+              <a:t>QtWidgets.Qwidget</a:t>
+            </a:r>
+            <a:r>
+              <a:rPr lang="fr-FR" dirty="0"/>
+              <a:t>, permet de définir la grille, les couleurs, les boutons sur l’interface graphique</a:t>
+            </a:r>
+          </a:p>
+          <a:p>
+            <a:endParaRPr lang="fr-FR" dirty="0"/>
+          </a:p>
+          <a:p>
+            <a:endParaRPr lang="fr-FR" dirty="0"/>
+          </a:p>
+          <a:p>
+            <a:pPr marL="285750" indent="-285750">
+              <a:buFont typeface="Arial" panose="020B0604020202020204" pitchFamily="34" charset="0"/>
+              <a:buChar char="•"/>
+            </a:pPr>
+            <a:r>
+              <a:rPr lang="fr-FR" b="1" dirty="0" err="1"/>
+              <a:t>ResizeEvent</a:t>
+            </a:r>
+            <a:r>
+              <a:rPr lang="fr-FR" b="1" dirty="0"/>
+              <a:t> </a:t>
+            </a:r>
+          </a:p>
+          <a:p>
+            <a:r>
+              <a:rPr lang="fr-FR" dirty="0" err="1"/>
+              <a:t>Blabla</a:t>
+            </a:r>
+            <a:endParaRPr lang="fr-FR" dirty="0"/>
+          </a:p>
+          <a:p>
+            <a:endParaRPr lang="fr-FR" dirty="0"/>
+          </a:p>
+          <a:p>
+            <a:pPr marL="285750" indent="-285750">
+              <a:buFont typeface="Arial" panose="020B0604020202020204" pitchFamily="34" charset="0"/>
+              <a:buChar char="•"/>
+            </a:pPr>
+            <a:r>
+              <a:rPr lang="fr-FR" b="1" dirty="0"/>
+              <a:t>Event</a:t>
+            </a:r>
+          </a:p>
+          <a:p>
+            <a:r>
+              <a:rPr lang="fr-FR" dirty="0" err="1"/>
+              <a:t>Blabla</a:t>
+            </a:r>
+            <a:endParaRPr lang="fr-FR" dirty="0"/>
+          </a:p>
+        </p:txBody>
+      </p:sp>
     </p:spTree>
     <p:extLst>
       <p:ext uri="{BB962C8B-B14F-4D97-AF65-F5344CB8AC3E}">
@@ -5837,6 +5927,77 @@
               <a:t>7</a:t>
             </a:fld>
             <a:endParaRPr lang="fr-FR"/>
+          </a:p>
+        </p:txBody>
+      </p:sp>
+      <p:sp>
+        <p:nvSpPr>
+          <p:cNvPr id="4" name="ZoneTexte 3">
+            <a:extLst>
+              <a:ext uri="{FF2B5EF4-FFF2-40B4-BE49-F238E27FC236}">
+                <a16:creationId xmlns:a16="http://schemas.microsoft.com/office/drawing/2014/main" id="{9155DABD-8BDC-4DC6-AAC3-7390498DC984}"/>
+              </a:ext>
+            </a:extLst>
+          </p:cNvPr>
+          <p:cNvSpPr txBox="1"/>
+          <p:nvPr/>
+        </p:nvSpPr>
+        <p:spPr>
+          <a:xfrm>
+            <a:off x="1097280" y="1419225"/>
+            <a:ext cx="6894195" cy="1477328"/>
+          </a:xfrm>
+          <a:prstGeom prst="rect">
+            <a:avLst/>
+          </a:prstGeom>
+          <a:noFill/>
+        </p:spPr>
+        <p:txBody>
+          <a:bodyPr wrap="square" rtlCol="0">
+            <a:spAutoFit/>
+          </a:bodyPr>
+          <a:lstStyle/>
+          <a:p>
+            <a:r>
+              <a:rPr lang="fr-FR" dirty="0"/>
+              <a:t>Hérite de Jeu et Widget2048</a:t>
+            </a:r>
+          </a:p>
+          <a:p>
+            <a:endParaRPr lang="fr-FR" dirty="0"/>
+          </a:p>
+          <a:p>
+            <a:pPr marL="285750" indent="-285750">
+              <a:buFont typeface="Arial" panose="020B0604020202020204" pitchFamily="34" charset="0"/>
+              <a:buChar char="•"/>
+            </a:pPr>
+            <a:r>
+              <a:rPr lang="fr-FR" dirty="0" err="1"/>
+              <a:t>KeyPressEvent</a:t>
+            </a:r>
+            <a:endParaRPr lang="fr-FR" dirty="0"/>
+          </a:p>
+          <a:p>
+            <a:pPr marL="285750" indent="-285750">
+              <a:buFont typeface="Arial" panose="020B0604020202020204" pitchFamily="34" charset="0"/>
+              <a:buChar char="•"/>
+            </a:pPr>
+            <a:r>
+              <a:rPr lang="fr-FR" dirty="0" err="1"/>
+              <a:t>MousePressEvent</a:t>
+            </a:r>
+            <a:endParaRPr lang="fr-FR" dirty="0"/>
+          </a:p>
+          <a:p>
+            <a:pPr marL="285750" indent="-285750">
+              <a:buFont typeface="Arial" panose="020B0604020202020204" pitchFamily="34" charset="0"/>
+              <a:buChar char="•"/>
+            </a:pPr>
+            <a:r>
+              <a:rPr lang="fr-FR" dirty="0" err="1"/>
+              <a:t>MouseReleaseEvent</a:t>
+            </a:r>
+            <a:endParaRPr lang="fr-FR" dirty="0"/>
           </a:p>
         </p:txBody>
       </p:sp>

--- a/Projet Info – Jeu 2048.pptx
+++ b/Projet Info – Jeu 2048.pptx
@@ -5,7 +5,7 @@
     <p:sldMasterId id="2147483672" r:id="rId1"/>
   </p:sldMasterIdLst>
   <p:notesMasterIdLst>
-    <p:notesMasterId r:id="rId9"/>
+    <p:notesMasterId r:id="rId10"/>
   </p:notesMasterIdLst>
   <p:sldIdLst>
     <p:sldId id="256" r:id="rId2"/>
@@ -15,6 +15,7 @@
     <p:sldId id="260" r:id="rId6"/>
     <p:sldId id="261" r:id="rId7"/>
     <p:sldId id="262" r:id="rId8"/>
+    <p:sldId id="263" r:id="rId9"/>
   </p:sldIdLst>
   <p:sldSz cx="12192000" cy="6858000"/>
   <p:notesSz cx="6858000" cy="9144000"/>
@@ -5945,7 +5946,7 @@
         <p:spPr>
           <a:xfrm>
             <a:off x="1097280" y="1419225"/>
-            <a:ext cx="6894195" cy="1477328"/>
+            <a:ext cx="6894195" cy="2862322"/>
           </a:xfrm>
           <a:prstGeom prst="rect">
             <a:avLst/>
@@ -5972,9 +5973,18 @@
               <a:buChar char="•"/>
             </a:pPr>
             <a:r>
-              <a:rPr lang="fr-FR" dirty="0" err="1"/>
+              <a:rPr lang="fr-FR" b="1" dirty="0" err="1"/>
               <a:t>KeyPressEvent</a:t>
             </a:r>
+            <a:endParaRPr lang="fr-FR" b="1" dirty="0"/>
+          </a:p>
+          <a:p>
+            <a:r>
+              <a:rPr lang="fr-FR" dirty="0"/>
+              <a:t>Lien entre l’appui des touches du clavier et les fonctions de direction</a:t>
+            </a:r>
+          </a:p>
+          <a:p>
             <a:endParaRPr lang="fr-FR" dirty="0"/>
           </a:p>
           <a:p>
@@ -5983,9 +5993,18 @@
               <a:buChar char="•"/>
             </a:pPr>
             <a:r>
-              <a:rPr lang="fr-FR" dirty="0" err="1"/>
+              <a:rPr lang="fr-FR" b="1" dirty="0" err="1"/>
               <a:t>MousePressEvent</a:t>
             </a:r>
+            <a:endParaRPr lang="fr-FR" b="1" dirty="0"/>
+          </a:p>
+          <a:p>
+            <a:r>
+              <a:rPr lang="fr-FR" dirty="0"/>
+              <a:t>Quand on clique sur un élément avec la souris</a:t>
+            </a:r>
+          </a:p>
+          <a:p>
             <a:endParaRPr lang="fr-FR" dirty="0"/>
           </a:p>
           <a:p>
@@ -5994,8 +6013,19 @@
               <a:buChar char="•"/>
             </a:pPr>
             <a:r>
+              <a:rPr lang="fr-FR" b="1" dirty="0" err="1"/>
+              <a:t>MouseReleaseEvent</a:t>
+            </a:r>
+            <a:endParaRPr lang="fr-FR" b="1" dirty="0"/>
+          </a:p>
+          <a:p>
+            <a:r>
+              <a:rPr lang="fr-FR" dirty="0"/>
+              <a:t>Si on clique sur Reset, on relance le jeu : appelle la fonction </a:t>
+            </a:r>
+            <a:r>
               <a:rPr lang="fr-FR" dirty="0" err="1"/>
-              <a:t>MouseReleaseEvent</a:t>
+              <a:t>reset_game</a:t>
             </a:r>
             <a:endParaRPr lang="fr-FR" dirty="0"/>
           </a:p>
@@ -6005,6 +6035,95 @@
     <p:extLst>
       <p:ext uri="{BB962C8B-B14F-4D97-AF65-F5344CB8AC3E}">
         <p14:creationId xmlns:p14="http://schemas.microsoft.com/office/powerpoint/2010/main" val="3447782666"/>
+      </p:ext>
+    </p:extLst>
+  </p:cSld>
+  <p:clrMapOvr>
+    <a:masterClrMapping/>
+  </p:clrMapOvr>
+</p:sld>
+</file>
+
+<file path=ppt/slides/slide8.xml><?xml version="1.0" encoding="utf-8"?>
+<p:sld xmlns:a="http://schemas.openxmlformats.org/drawingml/2006/main" xmlns:r="http://schemas.openxmlformats.org/officeDocument/2006/relationships" xmlns:p="http://schemas.openxmlformats.org/presentationml/2006/main">
+  <p:cSld>
+    <p:spTree>
+      <p:nvGrpSpPr>
+        <p:cNvPr id="1" name=""/>
+        <p:cNvGrpSpPr/>
+        <p:nvPr/>
+      </p:nvGrpSpPr>
+      <p:grpSpPr>
+        <a:xfrm>
+          <a:off x="0" y="0"/>
+          <a:ext cx="0" cy="0"/>
+          <a:chOff x="0" y="0"/>
+          <a:chExt cx="0" cy="0"/>
+        </a:xfrm>
+      </p:grpSpPr>
+      <p:sp>
+        <p:nvSpPr>
+          <p:cNvPr id="2" name="Titre 1">
+            <a:extLst>
+              <a:ext uri="{FF2B5EF4-FFF2-40B4-BE49-F238E27FC236}">
+                <a16:creationId xmlns:a16="http://schemas.microsoft.com/office/drawing/2014/main" id="{D15D821F-FB31-435E-AAFC-5FC06DCF213D}"/>
+              </a:ext>
+            </a:extLst>
+          </p:cNvPr>
+          <p:cNvSpPr>
+            <a:spLocks noGrp="1"/>
+          </p:cNvSpPr>
+          <p:nvPr>
+            <p:ph type="title"/>
+          </p:nvPr>
+        </p:nvSpPr>
+        <p:spPr/>
+        <p:txBody>
+          <a:bodyPr>
+            <a:normAutofit fontScale="90000"/>
+          </a:bodyPr>
+          <a:lstStyle/>
+          <a:p>
+            <a:r>
+              <a:rPr lang="fr-FR" dirty="0"/>
+              <a:t>IV. Intelligence Artificielle</a:t>
+            </a:r>
+          </a:p>
+        </p:txBody>
+      </p:sp>
+      <p:sp>
+        <p:nvSpPr>
+          <p:cNvPr id="3" name="Espace réservé du numéro de diapositive 2">
+            <a:extLst>
+              <a:ext uri="{FF2B5EF4-FFF2-40B4-BE49-F238E27FC236}">
+                <a16:creationId xmlns:a16="http://schemas.microsoft.com/office/drawing/2014/main" id="{BB391FCA-0B2A-475B-B81A-85A37D2A9C3E}"/>
+              </a:ext>
+            </a:extLst>
+          </p:cNvPr>
+          <p:cNvSpPr>
+            <a:spLocks noGrp="1"/>
+          </p:cNvSpPr>
+          <p:nvPr>
+            <p:ph type="sldNum" sz="quarter" idx="12"/>
+          </p:nvPr>
+        </p:nvSpPr>
+        <p:spPr/>
+        <p:txBody>
+          <a:bodyPr/>
+          <a:lstStyle/>
+          <a:p>
+            <a:fld id="{110520EA-A511-4D6B-AF81-17E293A5EF3D}" type="slidenum">
+              <a:rPr lang="fr-FR" smtClean="0"/>
+              <a:t>8</a:t>
+            </a:fld>
+            <a:endParaRPr lang="fr-FR"/>
+          </a:p>
+        </p:txBody>
+      </p:sp>
+    </p:spTree>
+    <p:extLst>
+      <p:ext uri="{BB962C8B-B14F-4D97-AF65-F5344CB8AC3E}">
+        <p14:creationId xmlns:p14="http://schemas.microsoft.com/office/powerpoint/2010/main" val="1037416222"/>
       </p:ext>
     </p:extLst>
   </p:cSld>

--- a/Projet Info – Jeu 2048.pptx
+++ b/Projet Info – Jeu 2048.pptx
@@ -204,7 +204,7 @@
           <a:p>
             <a:fld id="{BE80EC0B-BD71-40E8-BA6B-7DEDCF521DA2}" type="datetimeFigureOut">
               <a:rPr lang="fr-FR" smtClean="0"/>
-              <a:t>13/02/2020</a:t>
+              <a:t>17/02/2020</a:t>
             </a:fld>
             <a:endParaRPr lang="fr-FR"/>
           </a:p>
@@ -697,7 +697,7 @@
           <a:p>
             <a:fld id="{36E3CDB5-9ADF-4508-9522-1A5F4CCD8DA4}" type="datetime1">
               <a:rPr lang="fr-FR" smtClean="0"/>
-              <a:t>13/02/2020</a:t>
+              <a:t>17/02/2020</a:t>
             </a:fld>
             <a:endParaRPr lang="fr-FR"/>
           </a:p>
@@ -905,7 +905,7 @@
           <a:p>
             <a:fld id="{991F84A3-7A17-4694-B3A7-5693F6B26803}" type="datetime1">
               <a:rPr lang="fr-FR" smtClean="0"/>
-              <a:t>13/02/2020</a:t>
+              <a:t>17/02/2020</a:t>
             </a:fld>
             <a:endParaRPr lang="fr-FR"/>
           </a:p>
@@ -1161,7 +1161,7 @@
           <a:p>
             <a:fld id="{679F5552-42D0-4F11-9293-9A9B9F87B830}" type="datetime1">
               <a:rPr lang="fr-FR" smtClean="0"/>
-              <a:t>13/02/2020</a:t>
+              <a:t>17/02/2020</a:t>
             </a:fld>
             <a:endParaRPr lang="fr-FR"/>
           </a:p>
@@ -1331,7 +1331,7 @@
           <a:p>
             <a:fld id="{6B67BEF6-86A0-4435-96FD-820E1F8A718C}" type="datetime1">
               <a:rPr lang="fr-FR" smtClean="0"/>
-              <a:t>13/02/2020</a:t>
+              <a:t>17/02/2020</a:t>
             </a:fld>
             <a:endParaRPr lang="fr-FR"/>
           </a:p>
@@ -1674,7 +1674,7 @@
           <a:p>
             <a:fld id="{DA91F3EA-4409-4CBC-A0B0-F077A03D5208}" type="datetime1">
               <a:rPr lang="fr-FR" smtClean="0"/>
-              <a:t>13/02/2020</a:t>
+              <a:t>17/02/2020</a:t>
             </a:fld>
             <a:endParaRPr lang="fr-FR"/>
           </a:p>
@@ -1949,7 +1949,7 @@
           <a:p>
             <a:fld id="{F57735D5-45E6-4E70-8AE2-EC3C26243351}" type="datetime1">
               <a:rPr lang="fr-FR" smtClean="0"/>
-              <a:t>13/02/2020</a:t>
+              <a:t>17/02/2020</a:t>
             </a:fld>
             <a:endParaRPr lang="fr-FR"/>
           </a:p>
@@ -2328,7 +2328,7 @@
           <a:p>
             <a:fld id="{14E87F31-D746-4D9A-AB9A-0A7E0B9EDB06}" type="datetime1">
               <a:rPr lang="fr-FR" smtClean="0"/>
-              <a:t>13/02/2020</a:t>
+              <a:t>17/02/2020</a:t>
             </a:fld>
             <a:endParaRPr lang="fr-FR"/>
           </a:p>
@@ -2446,7 +2446,7 @@
           <a:p>
             <a:fld id="{F50DD8B8-564C-438C-925E-A86BB6B75643}" type="datetime1">
               <a:rPr lang="fr-FR" smtClean="0"/>
-              <a:t>13/02/2020</a:t>
+              <a:t>17/02/2020</a:t>
             </a:fld>
             <a:endParaRPr lang="fr-FR"/>
           </a:p>
@@ -2617,7 +2617,7 @@
           <a:p>
             <a:fld id="{2AB2F1CD-DAFC-49D4-BE36-CB702C9788C7}" type="datetime1">
               <a:rPr lang="fr-FR" smtClean="0"/>
-              <a:t>13/02/2020</a:t>
+              <a:t>17/02/2020</a:t>
             </a:fld>
             <a:endParaRPr lang="fr-FR"/>
           </a:p>
@@ -2971,7 +2971,7 @@
           <a:p>
             <a:fld id="{FCD1B47F-E887-4466-BEEF-DF876A9B42D4}" type="datetime1">
               <a:rPr lang="fr-FR" smtClean="0"/>
-              <a:t>13/02/2020</a:t>
+              <a:t>17/02/2020</a:t>
             </a:fld>
             <a:endParaRPr lang="fr-FR"/>
           </a:p>
@@ -3348,7 +3348,7 @@
           <a:p>
             <a:fld id="{F0D484E4-8925-47BE-ADF5-A371DA8C5BA3}" type="datetime1">
               <a:rPr lang="fr-FR" smtClean="0"/>
-              <a:t>13/02/2020</a:t>
+              <a:t>17/02/2020</a:t>
             </a:fld>
             <a:endParaRPr lang="fr-FR"/>
           </a:p>
@@ -3635,7 +3635,7 @@
           <a:p>
             <a:fld id="{0B7BD6F9-0526-4179-A79F-BAD1866B8FEC}" type="datetime1">
               <a:rPr lang="fr-FR" smtClean="0"/>
-              <a:t>13/02/2020</a:t>
+              <a:t>17/02/2020</a:t>
             </a:fld>
             <a:endParaRPr lang="fr-FR"/>
           </a:p>
@@ -5350,7 +5350,7 @@
         <p:spPr>
           <a:xfrm>
             <a:off x="9096373" y="1429439"/>
-            <a:ext cx="2162177" cy="2308324"/>
+            <a:ext cx="2477318" cy="2308324"/>
           </a:xfrm>
           <a:prstGeom prst="rect">
             <a:avLst/>
@@ -5374,8 +5374,13 @@
             </a:pPr>
             <a:r>
               <a:rPr lang="fr-FR" b="1" dirty="0"/>
-              <a:t>move</a:t>
-            </a:r>
+              <a:t>move et </a:t>
+            </a:r>
+            <a:r>
+              <a:rPr lang="fr-FR" b="1" dirty="0" err="1"/>
+              <a:t>move_tiles</a:t>
+            </a:r>
+            <a:endParaRPr lang="fr-FR" b="1" dirty="0"/>
           </a:p>
           <a:p>
             <a:r>
@@ -5599,7 +5604,7 @@
             </a:pPr>
             <a:r>
               <a:rPr lang="fr-FR" b="1" dirty="0" err="1"/>
-              <a:t>movesAvailable</a:t>
+              <a:t>game_state</a:t>
             </a:r>
             <a:endParaRPr lang="fr-FR" b="1" dirty="0"/>
           </a:p>
@@ -5761,8 +5766,8 @@
         </p:nvSpPr>
         <p:spPr>
           <a:xfrm>
-            <a:off x="1097280" y="1352550"/>
-            <a:ext cx="10115203" cy="2308324"/>
+            <a:off x="1097280" y="1566952"/>
+            <a:ext cx="4047576" cy="3724096"/>
           </a:xfrm>
           <a:prstGeom prst="rect">
             <a:avLst/>
@@ -5776,20 +5781,26 @@
           <a:lstStyle/>
           <a:p>
             <a:r>
-              <a:rPr lang="fr-FR" dirty="0"/>
+              <a:rPr lang="fr-FR" sz="2000" b="1" dirty="0">
+                <a:solidFill>
+                  <a:schemeClr val="accent2"/>
+                </a:solidFill>
+              </a:rPr>
               <a:t>Hérite de </a:t>
             </a:r>
             <a:r>
-              <a:rPr lang="fr-FR" dirty="0" err="1"/>
+              <a:rPr lang="fr-FR" sz="2000" b="1" dirty="0" err="1">
+                <a:solidFill>
+                  <a:schemeClr val="accent2"/>
+                </a:solidFill>
+              </a:rPr>
               <a:t>QtWidgets.Qwidget</a:t>
             </a:r>
-            <a:r>
-              <a:rPr lang="fr-FR" dirty="0"/>
-              <a:t>, permet de définir la grille, les couleurs, les boutons sur l’interface graphique</a:t>
-            </a:r>
-          </a:p>
-          <a:p>
-            <a:endParaRPr lang="fr-FR" dirty="0"/>
+            <a:endParaRPr lang="fr-FR" sz="2000" b="1" dirty="0">
+              <a:solidFill>
+                <a:schemeClr val="accent2"/>
+              </a:solidFill>
+            </a:endParaRPr>
           </a:p>
           <a:p>
             <a:endParaRPr lang="fr-FR" dirty="0"/>
@@ -5800,19 +5811,21 @@
               <a:buChar char="•"/>
             </a:pPr>
             <a:r>
-              <a:rPr lang="fr-FR" b="1" dirty="0" err="1"/>
-              <a:t>ResizeEvent</a:t>
-            </a:r>
-            <a:r>
               <a:rPr lang="fr-FR" b="1" dirty="0"/>
+              <a:t>Init</a:t>
+            </a:r>
+            <a:r>
+              <a:rPr lang="fr-FR" dirty="0"/>
               <a:t> </a:t>
             </a:r>
           </a:p>
           <a:p>
             <a:r>
-              <a:rPr lang="fr-FR" dirty="0" err="1"/>
-              <a:t>Blabla</a:t>
-            </a:r>
+              <a:rPr lang="fr-FR" dirty="0"/>
+              <a:t>Initialisation de tous les paramètres du Widget : Grille, couleurs, Score, High Score, Reset</a:t>
+            </a:r>
+          </a:p>
+          <a:p>
             <a:endParaRPr lang="fr-FR" dirty="0"/>
           </a:p>
           <a:p>
@@ -5824,19 +5837,120 @@
               <a:buChar char="•"/>
             </a:pPr>
             <a:r>
-              <a:rPr lang="fr-FR" b="1" dirty="0"/>
-              <a:t>Event</a:t>
-            </a:r>
-          </a:p>
-          <a:p>
+              <a:rPr lang="fr-FR" b="1" dirty="0" err="1"/>
+              <a:t>paintEvent</a:t>
+            </a:r>
+            <a:endParaRPr lang="fr-FR" b="1" dirty="0"/>
+          </a:p>
+          <a:p>
+            <a:r>
+              <a:rPr lang="fr-FR" dirty="0"/>
+              <a:t>Couleurs sur le Widget : cases et tuiles</a:t>
+            </a:r>
+          </a:p>
+          <a:p>
+            <a:r>
+              <a:rPr lang="fr-FR" dirty="0"/>
+              <a:t>Met les couleurs des tuiles suivant la valeur, à appeler à chaque coup joué, dans la classe </a:t>
+            </a:r>
             <a:r>
               <a:rPr lang="fr-FR" dirty="0" err="1"/>
-              <a:t>Blabla</a:t>
+              <a:t>JeuWidget</a:t>
             </a:r>
             <a:endParaRPr lang="fr-FR" dirty="0"/>
           </a:p>
         </p:txBody>
       </p:sp>
+      <p:pic>
+        <p:nvPicPr>
+          <p:cNvPr id="7" name="Image 6">
+            <a:extLst>
+              <a:ext uri="{FF2B5EF4-FFF2-40B4-BE49-F238E27FC236}">
+                <a16:creationId xmlns:a16="http://schemas.microsoft.com/office/drawing/2014/main" id="{DF20C490-1CEF-4A7B-B1EE-4F6F6E33BA64}"/>
+              </a:ext>
+            </a:extLst>
+          </p:cNvPr>
+          <p:cNvPicPr>
+            <a:picLocks noChangeAspect="1"/>
+          </p:cNvPicPr>
+          <p:nvPr/>
+        </p:nvPicPr>
+        <p:blipFill>
+          <a:blip r:embed="rId2"/>
+          <a:stretch>
+            <a:fillRect/>
+          </a:stretch>
+        </p:blipFill>
+        <p:spPr>
+          <a:xfrm>
+            <a:off x="5900259" y="1065105"/>
+            <a:ext cx="2059534" cy="2487414"/>
+          </a:xfrm>
+          <a:prstGeom prst="rect">
+            <a:avLst/>
+          </a:prstGeom>
+        </p:spPr>
+      </p:pic>
+      <p:pic>
+        <p:nvPicPr>
+          <p:cNvPr id="9" name="Image 8">
+            <a:extLst>
+              <a:ext uri="{FF2B5EF4-FFF2-40B4-BE49-F238E27FC236}">
+                <a16:creationId xmlns:a16="http://schemas.microsoft.com/office/drawing/2014/main" id="{7FE8E1E7-A8D1-43C1-A4E9-A47A914AAC72}"/>
+              </a:ext>
+            </a:extLst>
+          </p:cNvPr>
+          <p:cNvPicPr>
+            <a:picLocks noChangeAspect="1"/>
+          </p:cNvPicPr>
+          <p:nvPr/>
+        </p:nvPicPr>
+        <p:blipFill>
+          <a:blip r:embed="rId3"/>
+          <a:stretch>
+            <a:fillRect/>
+          </a:stretch>
+        </p:blipFill>
+        <p:spPr>
+          <a:xfrm>
+            <a:off x="9312783" y="1065105"/>
+            <a:ext cx="2017881" cy="2487415"/>
+          </a:xfrm>
+          <a:prstGeom prst="rect">
+            <a:avLst/>
+          </a:prstGeom>
+        </p:spPr>
+      </p:pic>
+      <p:pic>
+        <p:nvPicPr>
+          <p:cNvPr id="10" name="Image 9">
+            <a:extLst>
+              <a:ext uri="{FF2B5EF4-FFF2-40B4-BE49-F238E27FC236}">
+                <a16:creationId xmlns:a16="http://schemas.microsoft.com/office/drawing/2014/main" id="{940E0B3C-0033-4D5D-8679-39FF88BB1811}"/>
+              </a:ext>
+            </a:extLst>
+          </p:cNvPr>
+          <p:cNvPicPr>
+            <a:picLocks noChangeAspect="1"/>
+          </p:cNvPicPr>
+          <p:nvPr/>
+        </p:nvPicPr>
+        <p:blipFill>
+          <a:blip r:embed="rId4"/>
+          <a:stretch>
+            <a:fillRect/>
+          </a:stretch>
+        </p:blipFill>
+        <p:spPr>
+          <a:xfrm>
+            <a:off x="7576638" y="3628719"/>
+            <a:ext cx="2133978" cy="2610156"/>
+          </a:xfrm>
+          <a:prstGeom prst="rect">
+            <a:avLst/>
+          </a:prstGeom>
+        </p:spPr>
+      </p:pic>
     </p:spTree>
     <p:extLst>
       <p:ext uri="{BB962C8B-B14F-4D97-AF65-F5344CB8AC3E}">
@@ -5946,7 +6060,7 @@
         <p:spPr>
           <a:xfrm>
             <a:off x="1097280" y="1419225"/>
-            <a:ext cx="6894195" cy="2862322"/>
+            <a:ext cx="6894195" cy="2954655"/>
           </a:xfrm>
           <a:prstGeom prst="rect">
             <a:avLst/>
@@ -5960,7 +6074,11 @@
           <a:lstStyle/>
           <a:p>
             <a:r>
-              <a:rPr lang="fr-FR" dirty="0"/>
+              <a:rPr lang="fr-FR" sz="2000" b="1" dirty="0">
+                <a:solidFill>
+                  <a:schemeClr val="accent2"/>
+                </a:solidFill>
+              </a:rPr>
               <a:t>Hérite de Jeu et Widget2048</a:t>
             </a:r>
           </a:p>

--- a/Projet Info – Jeu 2048.pptx
+++ b/Projet Info – Jeu 2048.pptx
@@ -5,7 +5,7 @@
     <p:sldMasterId id="2147483672" r:id="rId1"/>
   </p:sldMasterIdLst>
   <p:notesMasterIdLst>
-    <p:notesMasterId r:id="rId10"/>
+    <p:notesMasterId r:id="rId11"/>
   </p:notesMasterIdLst>
   <p:sldIdLst>
     <p:sldId id="256" r:id="rId2"/>
@@ -16,6 +16,7 @@
     <p:sldId id="261" r:id="rId7"/>
     <p:sldId id="262" r:id="rId8"/>
     <p:sldId id="263" r:id="rId9"/>
+    <p:sldId id="264" r:id="rId10"/>
   </p:sldIdLst>
   <p:sldSz cx="12192000" cy="6858000"/>
   <p:notesSz cx="6858000" cy="9144000"/>
@@ -5374,7 +5375,7 @@
             </a:pPr>
             <a:r>
               <a:rPr lang="fr-FR" b="1" dirty="0"/>
-              <a:t>move et </a:t>
+              <a:t>moves et </a:t>
             </a:r>
             <a:r>
               <a:rPr lang="fr-FR" b="1" dirty="0" err="1"/>
@@ -6238,10 +6239,854 @@
           </a:p>
         </p:txBody>
       </p:sp>
+      <p:sp>
+        <p:nvSpPr>
+          <p:cNvPr id="4" name="ZoneTexte 3">
+            <a:extLst>
+              <a:ext uri="{FF2B5EF4-FFF2-40B4-BE49-F238E27FC236}">
+                <a16:creationId xmlns:a16="http://schemas.microsoft.com/office/drawing/2014/main" id="{BB4BB0C6-46C3-4C7E-8624-51751F5059A7}"/>
+              </a:ext>
+            </a:extLst>
+          </p:cNvPr>
+          <p:cNvSpPr txBox="1"/>
+          <p:nvPr/>
+        </p:nvSpPr>
+        <p:spPr>
+          <a:xfrm>
+            <a:off x="2653664" y="2344013"/>
+            <a:ext cx="2505076" cy="461665"/>
+          </a:xfrm>
+          <a:prstGeom prst="rect">
+            <a:avLst/>
+          </a:prstGeom>
+          <a:noFill/>
+          <a:ln w="28575">
+            <a:solidFill>
+              <a:srgbClr val="00B050"/>
+            </a:solidFill>
+          </a:ln>
+        </p:spPr>
+        <p:txBody>
+          <a:bodyPr wrap="square" rtlCol="0">
+            <a:spAutoFit/>
+          </a:bodyPr>
+          <a:lstStyle/>
+          <a:p>
+            <a:r>
+              <a:rPr lang="fr-FR" sz="2400" dirty="0"/>
+              <a:t>Class Widget2048</a:t>
+            </a:r>
+          </a:p>
+        </p:txBody>
+      </p:sp>
+      <p:sp>
+        <p:nvSpPr>
+          <p:cNvPr id="5" name="ZoneTexte 4">
+            <a:extLst>
+              <a:ext uri="{FF2B5EF4-FFF2-40B4-BE49-F238E27FC236}">
+                <a16:creationId xmlns:a16="http://schemas.microsoft.com/office/drawing/2014/main" id="{B17F5656-FEB1-4192-84A6-EAB03B788898}"/>
+              </a:ext>
+            </a:extLst>
+          </p:cNvPr>
+          <p:cNvSpPr txBox="1"/>
+          <p:nvPr/>
+        </p:nvSpPr>
+        <p:spPr>
+          <a:xfrm>
+            <a:off x="1428749" y="4419600"/>
+            <a:ext cx="1476375" cy="461665"/>
+          </a:xfrm>
+          <a:prstGeom prst="rect">
+            <a:avLst/>
+          </a:prstGeom>
+          <a:noFill/>
+          <a:ln w="28575">
+            <a:solidFill>
+              <a:srgbClr val="0070C0"/>
+            </a:solidFill>
+          </a:ln>
+        </p:spPr>
+        <p:txBody>
+          <a:bodyPr wrap="square" rtlCol="0">
+            <a:spAutoFit/>
+          </a:bodyPr>
+          <a:lstStyle/>
+          <a:p>
+            <a:r>
+              <a:rPr lang="fr-FR" sz="2400" dirty="0"/>
+              <a:t>Class Jeu</a:t>
+            </a:r>
+          </a:p>
+        </p:txBody>
+      </p:sp>
+      <p:sp>
+        <p:nvSpPr>
+          <p:cNvPr id="6" name="ZoneTexte 5">
+            <a:extLst>
+              <a:ext uri="{FF2B5EF4-FFF2-40B4-BE49-F238E27FC236}">
+                <a16:creationId xmlns:a16="http://schemas.microsoft.com/office/drawing/2014/main" id="{17B85688-D389-4FFB-B868-6C175F47E0CE}"/>
+              </a:ext>
+            </a:extLst>
+          </p:cNvPr>
+          <p:cNvSpPr txBox="1"/>
+          <p:nvPr/>
+        </p:nvSpPr>
+        <p:spPr>
+          <a:xfrm>
+            <a:off x="4907280" y="4419600"/>
+            <a:ext cx="2217420" cy="461665"/>
+          </a:xfrm>
+          <a:prstGeom prst="rect">
+            <a:avLst/>
+          </a:prstGeom>
+          <a:noFill/>
+          <a:ln w="28575">
+            <a:solidFill>
+              <a:srgbClr val="FFC000"/>
+            </a:solidFill>
+          </a:ln>
+        </p:spPr>
+        <p:txBody>
+          <a:bodyPr wrap="square" rtlCol="0">
+            <a:spAutoFit/>
+          </a:bodyPr>
+          <a:lstStyle/>
+          <a:p>
+            <a:r>
+              <a:rPr lang="fr-FR" sz="2400" dirty="0"/>
+              <a:t>Class </a:t>
+            </a:r>
+            <a:r>
+              <a:rPr lang="fr-FR" sz="2400" dirty="0" err="1"/>
+              <a:t>AI_solver</a:t>
+            </a:r>
+            <a:endParaRPr lang="fr-FR" sz="2400" dirty="0"/>
+          </a:p>
+        </p:txBody>
+      </p:sp>
+      <p:sp>
+        <p:nvSpPr>
+          <p:cNvPr id="7" name="ZoneTexte 6">
+            <a:extLst>
+              <a:ext uri="{FF2B5EF4-FFF2-40B4-BE49-F238E27FC236}">
+                <a16:creationId xmlns:a16="http://schemas.microsoft.com/office/drawing/2014/main" id="{0373D266-62BD-4D3A-9B47-D8238F6BD29B}"/>
+              </a:ext>
+            </a:extLst>
+          </p:cNvPr>
+          <p:cNvSpPr txBox="1"/>
+          <p:nvPr/>
+        </p:nvSpPr>
+        <p:spPr>
+          <a:xfrm>
+            <a:off x="8869333" y="2692571"/>
+            <a:ext cx="2343150" cy="461665"/>
+          </a:xfrm>
+          <a:prstGeom prst="rect">
+            <a:avLst/>
+          </a:prstGeom>
+          <a:noFill/>
+          <a:ln w="28575">
+            <a:solidFill>
+              <a:srgbClr val="C00000"/>
+            </a:solidFill>
+          </a:ln>
+        </p:spPr>
+        <p:txBody>
+          <a:bodyPr wrap="square" rtlCol="0">
+            <a:spAutoFit/>
+          </a:bodyPr>
+          <a:lstStyle/>
+          <a:p>
+            <a:r>
+              <a:rPr lang="fr-FR" sz="2400" dirty="0"/>
+              <a:t>Class </a:t>
+            </a:r>
+            <a:r>
+              <a:rPr lang="fr-FR" sz="2400" dirty="0" err="1"/>
+              <a:t>JeuWidget</a:t>
+            </a:r>
+            <a:endParaRPr lang="fr-FR" sz="2400" dirty="0"/>
+          </a:p>
+        </p:txBody>
+      </p:sp>
+      <p:cxnSp>
+        <p:nvCxnSpPr>
+          <p:cNvPr id="9" name="Connecteur droit avec flèche 8">
+            <a:extLst>
+              <a:ext uri="{FF2B5EF4-FFF2-40B4-BE49-F238E27FC236}">
+                <a16:creationId xmlns:a16="http://schemas.microsoft.com/office/drawing/2014/main" id="{74DECE24-EB39-4605-B678-7E09D397A0AC}"/>
+              </a:ext>
+            </a:extLst>
+          </p:cNvPr>
+          <p:cNvCxnSpPr>
+            <a:stCxn id="5" idx="3"/>
+            <a:endCxn id="6" idx="1"/>
+          </p:cNvCxnSpPr>
+          <p:nvPr/>
+        </p:nvCxnSpPr>
+        <p:spPr>
+          <a:xfrm>
+            <a:off x="2905124" y="4650433"/>
+            <a:ext cx="2002156" cy="0"/>
+          </a:xfrm>
+          <a:prstGeom prst="straightConnector1">
+            <a:avLst/>
+          </a:prstGeom>
+          <a:ln w="19050">
+            <a:solidFill>
+              <a:srgbClr val="0070C0"/>
+            </a:solidFill>
+            <a:tailEnd type="triangle"/>
+          </a:ln>
+        </p:spPr>
+        <p:style>
+          <a:lnRef idx="1">
+            <a:schemeClr val="accent1"/>
+          </a:lnRef>
+          <a:fillRef idx="0">
+            <a:schemeClr val="accent1"/>
+          </a:fillRef>
+          <a:effectRef idx="0">
+            <a:schemeClr val="accent1"/>
+          </a:effectRef>
+          <a:fontRef idx="minor">
+            <a:schemeClr val="tx1"/>
+          </a:fontRef>
+        </p:style>
+      </p:cxnSp>
+      <p:cxnSp>
+        <p:nvCxnSpPr>
+          <p:cNvPr id="13" name="Connecteur droit avec flèche 12">
+            <a:extLst>
+              <a:ext uri="{FF2B5EF4-FFF2-40B4-BE49-F238E27FC236}">
+                <a16:creationId xmlns:a16="http://schemas.microsoft.com/office/drawing/2014/main" id="{4FB78F02-CCB3-486C-BD48-731094668651}"/>
+              </a:ext>
+            </a:extLst>
+          </p:cNvPr>
+          <p:cNvCxnSpPr>
+            <a:stCxn id="4" idx="3"/>
+            <a:endCxn id="7" idx="1"/>
+          </p:cNvCxnSpPr>
+          <p:nvPr/>
+        </p:nvCxnSpPr>
+        <p:spPr>
+          <a:xfrm>
+            <a:off x="5158740" y="2574846"/>
+            <a:ext cx="3710593" cy="348558"/>
+          </a:xfrm>
+          <a:prstGeom prst="straightConnector1">
+            <a:avLst/>
+          </a:prstGeom>
+          <a:ln w="19050">
+            <a:solidFill>
+              <a:srgbClr val="00B050"/>
+            </a:solidFill>
+            <a:tailEnd type="triangle"/>
+          </a:ln>
+        </p:spPr>
+        <p:style>
+          <a:lnRef idx="1">
+            <a:schemeClr val="accent1"/>
+          </a:lnRef>
+          <a:fillRef idx="0">
+            <a:schemeClr val="accent1"/>
+          </a:fillRef>
+          <a:effectRef idx="0">
+            <a:schemeClr val="accent1"/>
+          </a:effectRef>
+          <a:fontRef idx="minor">
+            <a:schemeClr val="tx1"/>
+          </a:fontRef>
+        </p:style>
+      </p:cxnSp>
+      <p:cxnSp>
+        <p:nvCxnSpPr>
+          <p:cNvPr id="15" name="Connecteur droit avec flèche 14">
+            <a:extLst>
+              <a:ext uri="{FF2B5EF4-FFF2-40B4-BE49-F238E27FC236}">
+                <a16:creationId xmlns:a16="http://schemas.microsoft.com/office/drawing/2014/main" id="{9AF60257-276E-4B38-AD67-EF49C6575EDF}"/>
+              </a:ext>
+            </a:extLst>
+          </p:cNvPr>
+          <p:cNvCxnSpPr>
+            <a:stCxn id="6" idx="3"/>
+            <a:endCxn id="7" idx="1"/>
+          </p:cNvCxnSpPr>
+          <p:nvPr/>
+        </p:nvCxnSpPr>
+        <p:spPr>
+          <a:xfrm flipV="1">
+            <a:off x="7124700" y="2923404"/>
+            <a:ext cx="1744633" cy="1727029"/>
+          </a:xfrm>
+          <a:prstGeom prst="straightConnector1">
+            <a:avLst/>
+          </a:prstGeom>
+          <a:ln w="19050">
+            <a:solidFill>
+              <a:srgbClr val="FFC000"/>
+            </a:solidFill>
+            <a:tailEnd type="triangle"/>
+          </a:ln>
+        </p:spPr>
+        <p:style>
+          <a:lnRef idx="1">
+            <a:schemeClr val="accent1"/>
+          </a:lnRef>
+          <a:fillRef idx="0">
+            <a:schemeClr val="accent1"/>
+          </a:fillRef>
+          <a:effectRef idx="0">
+            <a:schemeClr val="accent1"/>
+          </a:effectRef>
+          <a:fontRef idx="minor">
+            <a:schemeClr val="tx1"/>
+          </a:fontRef>
+        </p:style>
+      </p:cxnSp>
     </p:spTree>
     <p:extLst>
       <p:ext uri="{BB962C8B-B14F-4D97-AF65-F5344CB8AC3E}">
         <p14:creationId xmlns:p14="http://schemas.microsoft.com/office/powerpoint/2010/main" val="1037416222"/>
+      </p:ext>
+    </p:extLst>
+  </p:cSld>
+  <p:clrMapOvr>
+    <a:masterClrMapping/>
+  </p:clrMapOvr>
+</p:sld>
+</file>
+
+<file path=ppt/slides/slide9.xml><?xml version="1.0" encoding="utf-8"?>
+<p:sld xmlns:a="http://schemas.openxmlformats.org/drawingml/2006/main" xmlns:r="http://schemas.openxmlformats.org/officeDocument/2006/relationships" xmlns:p="http://schemas.openxmlformats.org/presentationml/2006/main">
+  <p:cSld>
+    <p:spTree>
+      <p:nvGrpSpPr>
+        <p:cNvPr id="1" name=""/>
+        <p:cNvGrpSpPr/>
+        <p:nvPr/>
+      </p:nvGrpSpPr>
+      <p:grpSpPr>
+        <a:xfrm>
+          <a:off x="0" y="0"/>
+          <a:ext cx="0" cy="0"/>
+          <a:chOff x="0" y="0"/>
+          <a:chExt cx="0" cy="0"/>
+        </a:xfrm>
+      </p:grpSpPr>
+      <p:sp>
+        <p:nvSpPr>
+          <p:cNvPr id="2" name="Titre 1">
+            <a:extLst>
+              <a:ext uri="{FF2B5EF4-FFF2-40B4-BE49-F238E27FC236}">
+                <a16:creationId xmlns:a16="http://schemas.microsoft.com/office/drawing/2014/main" id="{C439204F-1CAF-4FE6-8984-12C18D43CD3A}"/>
+              </a:ext>
+            </a:extLst>
+          </p:cNvPr>
+          <p:cNvSpPr>
+            <a:spLocks noGrp="1"/>
+          </p:cNvSpPr>
+          <p:nvPr>
+            <p:ph type="title"/>
+          </p:nvPr>
+        </p:nvSpPr>
+        <p:spPr/>
+        <p:txBody>
+          <a:bodyPr>
+            <a:normAutofit fontScale="90000"/>
+          </a:bodyPr>
+          <a:lstStyle/>
+          <a:p>
+            <a:r>
+              <a:rPr lang="fr-FR" dirty="0"/>
+              <a:t>IV. Intelligence Artificielle – Class </a:t>
+            </a:r>
+            <a:r>
+              <a:rPr lang="fr-FR" dirty="0" err="1"/>
+              <a:t>AI_solver</a:t>
+            </a:r>
+            <a:endParaRPr lang="fr-FR" dirty="0"/>
+          </a:p>
+        </p:txBody>
+      </p:sp>
+      <p:sp>
+        <p:nvSpPr>
+          <p:cNvPr id="3" name="Espace réservé du numéro de diapositive 2">
+            <a:extLst>
+              <a:ext uri="{FF2B5EF4-FFF2-40B4-BE49-F238E27FC236}">
+                <a16:creationId xmlns:a16="http://schemas.microsoft.com/office/drawing/2014/main" id="{F9622115-B750-41EF-815F-6BA1F7EC7800}"/>
+              </a:ext>
+            </a:extLst>
+          </p:cNvPr>
+          <p:cNvSpPr>
+            <a:spLocks noGrp="1"/>
+          </p:cNvSpPr>
+          <p:nvPr>
+            <p:ph type="sldNum" sz="quarter" idx="12"/>
+          </p:nvPr>
+        </p:nvSpPr>
+        <p:spPr/>
+        <p:txBody>
+          <a:bodyPr/>
+          <a:lstStyle/>
+          <a:p>
+            <a:fld id="{110520EA-A511-4D6B-AF81-17E293A5EF3D}" type="slidenum">
+              <a:rPr lang="fr-FR" smtClean="0"/>
+              <a:t>9</a:t>
+            </a:fld>
+            <a:endParaRPr lang="fr-FR"/>
+          </a:p>
+        </p:txBody>
+      </p:sp>
+      <p:sp>
+        <p:nvSpPr>
+          <p:cNvPr id="4" name="ZoneTexte 3">
+            <a:extLst>
+              <a:ext uri="{FF2B5EF4-FFF2-40B4-BE49-F238E27FC236}">
+                <a16:creationId xmlns:a16="http://schemas.microsoft.com/office/drawing/2014/main" id="{4D753595-8D86-4F98-BA7F-A3540323741B}"/>
+              </a:ext>
+            </a:extLst>
+          </p:cNvPr>
+          <p:cNvSpPr txBox="1"/>
+          <p:nvPr/>
+        </p:nvSpPr>
+        <p:spPr>
+          <a:xfrm>
+            <a:off x="6561141" y="1835756"/>
+            <a:ext cx="5602284" cy="1754326"/>
+          </a:xfrm>
+          <a:prstGeom prst="rect">
+            <a:avLst/>
+          </a:prstGeom>
+          <a:noFill/>
+          <a:ln w="19050">
+            <a:solidFill>
+              <a:srgbClr val="FFC000"/>
+            </a:solidFill>
+          </a:ln>
+        </p:spPr>
+        <p:txBody>
+          <a:bodyPr wrap="square" rtlCol="0">
+            <a:spAutoFit/>
+          </a:bodyPr>
+          <a:lstStyle/>
+          <a:p>
+            <a:pPr marL="285750" indent="-285750">
+              <a:buFont typeface="Arial" panose="020B0604020202020204" pitchFamily="34" charset="0"/>
+              <a:buChar char="•"/>
+            </a:pPr>
+            <a:r>
+              <a:rPr lang="fr-FR" b="1" dirty="0" err="1"/>
+              <a:t>evaluation</a:t>
+            </a:r>
+            <a:r>
+              <a:rPr lang="fr-FR" b="1" dirty="0"/>
+              <a:t> </a:t>
+            </a:r>
+          </a:p>
+          <a:p>
+            <a:r>
+              <a:rPr lang="fr-FR" dirty="0"/>
+              <a:t>Fonction d’évaluation à maximiser pour réaliser un coup suivant la méthode choisie (corner, </a:t>
+            </a:r>
+            <a:r>
+              <a:rPr lang="fr-FR" dirty="0" err="1"/>
+              <a:t>pyramid</a:t>
+            </a:r>
+            <a:r>
+              <a:rPr lang="fr-FR" dirty="0"/>
+              <a:t>, </a:t>
+            </a:r>
+            <a:r>
+              <a:rPr lang="fr-FR" dirty="0" err="1"/>
+              <a:t>snake</a:t>
+            </a:r>
+            <a:r>
+              <a:rPr lang="fr-FR" dirty="0"/>
+              <a:t>).</a:t>
+            </a:r>
+          </a:p>
+          <a:p>
+            <a:pPr marL="285750" indent="-285750">
+              <a:buFont typeface="Arial" panose="020B0604020202020204" pitchFamily="34" charset="0"/>
+              <a:buChar char="•"/>
+            </a:pPr>
+            <a:r>
+              <a:rPr lang="fr-FR" b="1" dirty="0" err="1"/>
+              <a:t>get_score_scoring</a:t>
+            </a:r>
+            <a:endParaRPr lang="fr-FR" b="1" dirty="0"/>
+          </a:p>
+          <a:p>
+            <a:r>
+              <a:rPr lang="fr-FR" dirty="0"/>
+              <a:t>Obtient le score, pour méthode Snake : en comparant avec schéma en forme de serpent. </a:t>
+            </a:r>
+          </a:p>
+        </p:txBody>
+      </p:sp>
+      <p:sp>
+        <p:nvSpPr>
+          <p:cNvPr id="5" name="ZoneTexte 4">
+            <a:extLst>
+              <a:ext uri="{FF2B5EF4-FFF2-40B4-BE49-F238E27FC236}">
+                <a16:creationId xmlns:a16="http://schemas.microsoft.com/office/drawing/2014/main" id="{E4B918EA-2CF0-4432-BDD7-CF2FBC0311A8}"/>
+              </a:ext>
+            </a:extLst>
+          </p:cNvPr>
+          <p:cNvSpPr txBox="1"/>
+          <p:nvPr/>
+        </p:nvSpPr>
+        <p:spPr>
+          <a:xfrm>
+            <a:off x="3305175" y="1078468"/>
+            <a:ext cx="6172200" cy="369332"/>
+          </a:xfrm>
+          <a:prstGeom prst="rect">
+            <a:avLst/>
+          </a:prstGeom>
+          <a:noFill/>
+        </p:spPr>
+        <p:txBody>
+          <a:bodyPr wrap="square" rtlCol="0">
+            <a:spAutoFit/>
+          </a:bodyPr>
+          <a:lstStyle/>
+          <a:p>
+            <a:r>
+              <a:rPr lang="fr-FR" dirty="0"/>
+              <a:t>2 possibilités suivant la méthode utilisée pour résoudre</a:t>
+            </a:r>
+          </a:p>
+        </p:txBody>
+      </p:sp>
+      <p:sp>
+        <p:nvSpPr>
+          <p:cNvPr id="6" name="ZoneTexte 5">
+            <a:extLst>
+              <a:ext uri="{FF2B5EF4-FFF2-40B4-BE49-F238E27FC236}">
+                <a16:creationId xmlns:a16="http://schemas.microsoft.com/office/drawing/2014/main" id="{553799F8-65C0-43E1-992E-7DDA5929627F}"/>
+              </a:ext>
+            </a:extLst>
+          </p:cNvPr>
+          <p:cNvSpPr txBox="1"/>
+          <p:nvPr/>
+        </p:nvSpPr>
+        <p:spPr>
+          <a:xfrm>
+            <a:off x="290648" y="2304175"/>
+            <a:ext cx="4109902" cy="1200329"/>
+          </a:xfrm>
+          <a:prstGeom prst="rect">
+            <a:avLst/>
+          </a:prstGeom>
+          <a:noFill/>
+          <a:ln w="19050">
+            <a:solidFill>
+              <a:srgbClr val="CC0099"/>
+            </a:solidFill>
+          </a:ln>
+        </p:spPr>
+        <p:txBody>
+          <a:bodyPr wrap="square" rtlCol="0">
+            <a:spAutoFit/>
+          </a:bodyPr>
+          <a:lstStyle/>
+          <a:p>
+            <a:pPr marL="285750" indent="-285750">
+              <a:buFont typeface="Arial" panose="020B0604020202020204" pitchFamily="34" charset="0"/>
+              <a:buChar char="•"/>
+            </a:pPr>
+            <a:r>
+              <a:rPr lang="fr-FR" b="1" dirty="0" err="1"/>
+              <a:t>get_score_montecarlo</a:t>
+            </a:r>
+            <a:endParaRPr lang="fr-FR" b="1" dirty="0"/>
+          </a:p>
+          <a:p>
+            <a:r>
+              <a:rPr lang="fr-FR" dirty="0"/>
+              <a:t>Obtient le score en jouant N simulations, </a:t>
+            </a:r>
+          </a:p>
+          <a:p>
+            <a:r>
+              <a:rPr lang="fr-FR" dirty="0"/>
+              <a:t>Moyenne de la valeur de la tuile max sur les N simulations. </a:t>
+            </a:r>
+          </a:p>
+        </p:txBody>
+      </p:sp>
+      <p:sp>
+        <p:nvSpPr>
+          <p:cNvPr id="7" name="ZoneTexte 6">
+            <a:extLst>
+              <a:ext uri="{FF2B5EF4-FFF2-40B4-BE49-F238E27FC236}">
+                <a16:creationId xmlns:a16="http://schemas.microsoft.com/office/drawing/2014/main" id="{937E5993-547A-4A27-B86B-8FFDFF611B24}"/>
+              </a:ext>
+            </a:extLst>
+          </p:cNvPr>
+          <p:cNvSpPr txBox="1"/>
+          <p:nvPr/>
+        </p:nvSpPr>
+        <p:spPr>
+          <a:xfrm>
+            <a:off x="3742508" y="4341075"/>
+            <a:ext cx="4767943" cy="2031325"/>
+          </a:xfrm>
+          <a:prstGeom prst="rect">
+            <a:avLst/>
+          </a:prstGeom>
+          <a:noFill/>
+          <a:ln w="19050">
+            <a:solidFill>
+              <a:srgbClr val="C00000"/>
+            </a:solidFill>
+          </a:ln>
+        </p:spPr>
+        <p:txBody>
+          <a:bodyPr wrap="square" rtlCol="0">
+            <a:spAutoFit/>
+          </a:bodyPr>
+          <a:lstStyle/>
+          <a:p>
+            <a:pPr marL="285750" indent="-285750">
+              <a:buFont typeface="Arial" panose="020B0604020202020204" pitchFamily="34" charset="0"/>
+              <a:buChar char="•"/>
+            </a:pPr>
+            <a:r>
+              <a:rPr lang="fr-FR" b="1" dirty="0" err="1"/>
+              <a:t>get_score</a:t>
+            </a:r>
+            <a:endParaRPr lang="fr-FR" b="1" dirty="0"/>
+          </a:p>
+          <a:p>
+            <a:r>
+              <a:rPr lang="fr-FR" dirty="0"/>
+              <a:t>Obtient le score suivant la méthode</a:t>
+            </a:r>
+          </a:p>
+          <a:p>
+            <a:pPr marL="285750" indent="-285750">
+              <a:buFont typeface="Arial" panose="020B0604020202020204" pitchFamily="34" charset="0"/>
+              <a:buChar char="•"/>
+            </a:pPr>
+            <a:r>
+              <a:rPr lang="fr-FR" b="1" dirty="0" err="1"/>
+              <a:t>get_best_move</a:t>
+            </a:r>
+            <a:endParaRPr lang="fr-FR" b="1" dirty="0"/>
+          </a:p>
+          <a:p>
+            <a:r>
+              <a:rPr lang="fr-FR" dirty="0"/>
+              <a:t>Teste les 4 directions et retourne la meilleur pour ce coup</a:t>
+            </a:r>
+          </a:p>
+          <a:p>
+            <a:pPr marL="285750" indent="-285750">
+              <a:buFont typeface="Arial" panose="020B0604020202020204" pitchFamily="34" charset="0"/>
+              <a:buChar char="•"/>
+            </a:pPr>
+            <a:r>
+              <a:rPr lang="fr-FR" b="1" dirty="0" err="1"/>
+              <a:t>auto_solve</a:t>
+            </a:r>
+            <a:endParaRPr lang="fr-FR" b="1" dirty="0"/>
+          </a:p>
+          <a:p>
+            <a:r>
+              <a:rPr lang="fr-FR" dirty="0"/>
+              <a:t>Joue au jeu jusqu’à Game Over</a:t>
+            </a:r>
+          </a:p>
+        </p:txBody>
+      </p:sp>
+      <p:sp>
+        <p:nvSpPr>
+          <p:cNvPr id="8" name="ZoneTexte 7">
+            <a:extLst>
+              <a:ext uri="{FF2B5EF4-FFF2-40B4-BE49-F238E27FC236}">
+                <a16:creationId xmlns:a16="http://schemas.microsoft.com/office/drawing/2014/main" id="{83E6E3FC-77FF-4213-8284-EBDEC480698B}"/>
+              </a:ext>
+            </a:extLst>
+          </p:cNvPr>
+          <p:cNvSpPr txBox="1"/>
+          <p:nvPr/>
+        </p:nvSpPr>
+        <p:spPr>
+          <a:xfrm>
+            <a:off x="914400" y="1898740"/>
+            <a:ext cx="2257425" cy="369332"/>
+          </a:xfrm>
+          <a:prstGeom prst="rect">
+            <a:avLst/>
+          </a:prstGeom>
+          <a:noFill/>
+        </p:spPr>
+        <p:txBody>
+          <a:bodyPr wrap="square" rtlCol="0">
+            <a:spAutoFit/>
+          </a:bodyPr>
+          <a:lstStyle/>
+          <a:p>
+            <a:r>
+              <a:rPr lang="fr-FR" dirty="0">
+                <a:solidFill>
+                  <a:srgbClr val="CC0099"/>
+                </a:solidFill>
+              </a:rPr>
+              <a:t>Méthode Monte Carlo</a:t>
+            </a:r>
+          </a:p>
+        </p:txBody>
+      </p:sp>
+      <p:sp>
+        <p:nvSpPr>
+          <p:cNvPr id="9" name="ZoneTexte 8">
+            <a:extLst>
+              <a:ext uri="{FF2B5EF4-FFF2-40B4-BE49-F238E27FC236}">
+                <a16:creationId xmlns:a16="http://schemas.microsoft.com/office/drawing/2014/main" id="{68C2CE6B-6AF9-45D7-98DC-010ABD26F64A}"/>
+              </a:ext>
+            </a:extLst>
+          </p:cNvPr>
+          <p:cNvSpPr txBox="1"/>
+          <p:nvPr/>
+        </p:nvSpPr>
+        <p:spPr>
+          <a:xfrm>
+            <a:off x="7519208" y="1409727"/>
+            <a:ext cx="4762500" cy="369332"/>
+          </a:xfrm>
+          <a:prstGeom prst="rect">
+            <a:avLst/>
+          </a:prstGeom>
+          <a:noFill/>
+        </p:spPr>
+        <p:txBody>
+          <a:bodyPr wrap="square" rtlCol="0">
+            <a:spAutoFit/>
+          </a:bodyPr>
+          <a:lstStyle/>
+          <a:p>
+            <a:r>
+              <a:rPr lang="fr-FR" dirty="0">
+                <a:solidFill>
+                  <a:srgbClr val="FFC000"/>
+                </a:solidFill>
+              </a:rPr>
+              <a:t>Méthodes Snake, Corner ou </a:t>
+            </a:r>
+            <a:r>
+              <a:rPr lang="fr-FR" dirty="0" err="1">
+                <a:solidFill>
+                  <a:srgbClr val="FFC000"/>
+                </a:solidFill>
+              </a:rPr>
+              <a:t>Pyramid</a:t>
+            </a:r>
+            <a:endParaRPr lang="fr-FR" dirty="0">
+              <a:solidFill>
+                <a:srgbClr val="FFC000"/>
+              </a:solidFill>
+            </a:endParaRPr>
+          </a:p>
+        </p:txBody>
+      </p:sp>
+      <p:cxnSp>
+        <p:nvCxnSpPr>
+          <p:cNvPr id="11" name="Connecteur droit avec flèche 10">
+            <a:extLst>
+              <a:ext uri="{FF2B5EF4-FFF2-40B4-BE49-F238E27FC236}">
+                <a16:creationId xmlns:a16="http://schemas.microsoft.com/office/drawing/2014/main" id="{9A229419-1BA0-443C-85D2-6C1E15D07C9C}"/>
+              </a:ext>
+            </a:extLst>
+          </p:cNvPr>
+          <p:cNvCxnSpPr>
+            <a:stCxn id="6" idx="2"/>
+            <a:endCxn id="7" idx="0"/>
+          </p:cNvCxnSpPr>
+          <p:nvPr/>
+        </p:nvCxnSpPr>
+        <p:spPr>
+          <a:xfrm>
+            <a:off x="2345599" y="3504504"/>
+            <a:ext cx="3780881" cy="836571"/>
+          </a:xfrm>
+          <a:prstGeom prst="straightConnector1">
+            <a:avLst/>
+          </a:prstGeom>
+          <a:ln>
+            <a:solidFill>
+              <a:srgbClr val="CC0099"/>
+            </a:solidFill>
+            <a:tailEnd type="triangle"/>
+          </a:ln>
+        </p:spPr>
+        <p:style>
+          <a:lnRef idx="1">
+            <a:schemeClr val="accent1"/>
+          </a:lnRef>
+          <a:fillRef idx="0">
+            <a:schemeClr val="accent1"/>
+          </a:fillRef>
+          <a:effectRef idx="0">
+            <a:schemeClr val="accent1"/>
+          </a:effectRef>
+          <a:fontRef idx="minor">
+            <a:schemeClr val="tx1"/>
+          </a:fontRef>
+        </p:style>
+      </p:cxnSp>
+      <p:cxnSp>
+        <p:nvCxnSpPr>
+          <p:cNvPr id="13" name="Connecteur droit avec flèche 12">
+            <a:extLst>
+              <a:ext uri="{FF2B5EF4-FFF2-40B4-BE49-F238E27FC236}">
+                <a16:creationId xmlns:a16="http://schemas.microsoft.com/office/drawing/2014/main" id="{D31BF3F7-4B55-4032-AE1D-D086E58B80DE}"/>
+              </a:ext>
+            </a:extLst>
+          </p:cNvPr>
+          <p:cNvCxnSpPr>
+            <a:stCxn id="4" idx="2"/>
+            <a:endCxn id="7" idx="0"/>
+          </p:cNvCxnSpPr>
+          <p:nvPr/>
+        </p:nvCxnSpPr>
+        <p:spPr>
+          <a:xfrm flipH="1">
+            <a:off x="6126480" y="3590082"/>
+            <a:ext cx="3235803" cy="750993"/>
+          </a:xfrm>
+          <a:prstGeom prst="straightConnector1">
+            <a:avLst/>
+          </a:prstGeom>
+          <a:ln>
+            <a:solidFill>
+              <a:srgbClr val="FFC000"/>
+            </a:solidFill>
+            <a:tailEnd type="triangle"/>
+          </a:ln>
+        </p:spPr>
+        <p:style>
+          <a:lnRef idx="1">
+            <a:schemeClr val="accent1"/>
+          </a:lnRef>
+          <a:fillRef idx="0">
+            <a:schemeClr val="accent1"/>
+          </a:fillRef>
+          <a:effectRef idx="0">
+            <a:schemeClr val="accent1"/>
+          </a:effectRef>
+          <a:fontRef idx="minor">
+            <a:schemeClr val="tx1"/>
+          </a:fontRef>
+        </p:style>
+      </p:cxnSp>
+    </p:spTree>
+    <p:extLst>
+      <p:ext uri="{BB962C8B-B14F-4D97-AF65-F5344CB8AC3E}">
+        <p14:creationId xmlns:p14="http://schemas.microsoft.com/office/powerpoint/2010/main" val="2777672720"/>
       </p:ext>
     </p:extLst>
   </p:cSld>

--- a/Projet Info – Jeu 2048.pptx
+++ b/Projet Info – Jeu 2048.pptx
@@ -10629,8 +10629,8 @@
         </p:nvSpPr>
         <p:spPr>
           <a:xfrm>
-            <a:off x="6477000" y="1877686"/>
-            <a:ext cx="5438775" cy="3693319"/>
+            <a:off x="6477000" y="1452568"/>
+            <a:ext cx="5438775" cy="4247317"/>
           </a:xfrm>
           <a:prstGeom prst="rect">
             <a:avLst/>
@@ -10678,6 +10678,16 @@
             <a:r>
               <a:rPr lang="fr-FR" dirty="0"/>
               <a:t> de la grille dans la direction donnée.</a:t>
+            </a:r>
+          </a:p>
+          <a:p>
+            <a:pPr marL="285750" indent="-285750">
+              <a:buFont typeface="Arial" panose="020B0604020202020204" pitchFamily="34" charset="0"/>
+              <a:buChar char="•"/>
+            </a:pPr>
+            <a:r>
+              <a:rPr lang="fr-FR" dirty="0"/>
+              <a:t>Si deux tuiles adjacentes sont identiques dans la même direction, elles s’additionnent. </a:t>
             </a:r>
           </a:p>
           <a:p>
@@ -11533,7 +11543,7 @@
           <a:p>
             <a:r>
               <a:rPr lang="fr-FR" dirty="0"/>
-              <a:t>fait tourner de 90° dan sans trigo la matrice</a:t>
+              <a:t>fait tourner de 90° dans sens trigo la matrice</a:t>
             </a:r>
           </a:p>
           <a:p>

--- a/Projet Info – Jeu 2048.pptx
+++ b/Projet Info – Jeu 2048.pptx
@@ -125,6 +125,15 @@
     </p:ext>
   </p:extLst>
 </p:presentation>
+</file>
+
+<file path=ppt/revisionInfo.xml><?xml version="1.0" encoding="utf-8"?>
+<p1510:revInfo xmlns:a="http://schemas.openxmlformats.org/drawingml/2006/main" xmlns:r="http://schemas.openxmlformats.org/officeDocument/2006/relationships" xmlns:p1510="http://schemas.microsoft.com/office/powerpoint/2015/10/main">
+  <p1510:revLst>
+    <p1510:client id="{5A613AD6-46FD-4DFA-98A2-0C57689DE3A3}" v="52" dt="2020-02-18T16:18:01.821"/>
+    <p1510:client id="{798970FF-C5D7-3833-0239-C2D50EFA7F97}" v="184" dt="2020-02-18T18:10:02.906"/>
+  </p1510:revLst>
+</p1510:revInfo>
 </file>
 
 <file path=ppt/diagrams/colors1.xml><?xml version="1.0" encoding="utf-8"?>
@@ -5303,7 +5312,7 @@
           <a:p>
             <a:fld id="{BE80EC0B-BD71-40E8-BA6B-7DEDCF521DA2}" type="datetimeFigureOut">
               <a:rPr lang="fr-FR" smtClean="0"/>
-              <a:t>17/02/2020</a:t>
+              <a:t>18/02/2020</a:t>
             </a:fld>
             <a:endParaRPr lang="fr-FR"/>
           </a:p>
@@ -5796,7 +5805,7 @@
           <a:p>
             <a:fld id="{36E3CDB5-9ADF-4508-9522-1A5F4CCD8DA4}" type="datetime1">
               <a:rPr lang="fr-FR" smtClean="0"/>
-              <a:t>17/02/2020</a:t>
+              <a:t>18/02/2020</a:t>
             </a:fld>
             <a:endParaRPr lang="fr-FR"/>
           </a:p>
@@ -6004,7 +6013,7 @@
           <a:p>
             <a:fld id="{991F84A3-7A17-4694-B3A7-5693F6B26803}" type="datetime1">
               <a:rPr lang="fr-FR" smtClean="0"/>
-              <a:t>17/02/2020</a:t>
+              <a:t>18/02/2020</a:t>
             </a:fld>
             <a:endParaRPr lang="fr-FR"/>
           </a:p>
@@ -6260,7 +6269,7 @@
           <a:p>
             <a:fld id="{679F5552-42D0-4F11-9293-9A9B9F87B830}" type="datetime1">
               <a:rPr lang="fr-FR" smtClean="0"/>
-              <a:t>17/02/2020</a:t>
+              <a:t>18/02/2020</a:t>
             </a:fld>
             <a:endParaRPr lang="fr-FR"/>
           </a:p>
@@ -6430,7 +6439,7 @@
           <a:p>
             <a:fld id="{6B67BEF6-86A0-4435-96FD-820E1F8A718C}" type="datetime1">
               <a:rPr lang="fr-FR" smtClean="0"/>
-              <a:t>17/02/2020</a:t>
+              <a:t>18/02/2020</a:t>
             </a:fld>
             <a:endParaRPr lang="fr-FR"/>
           </a:p>
@@ -6773,7 +6782,7 @@
           <a:p>
             <a:fld id="{DA91F3EA-4409-4CBC-A0B0-F077A03D5208}" type="datetime1">
               <a:rPr lang="fr-FR" smtClean="0"/>
-              <a:t>17/02/2020</a:t>
+              <a:t>18/02/2020</a:t>
             </a:fld>
             <a:endParaRPr lang="fr-FR"/>
           </a:p>
@@ -7048,7 +7057,7 @@
           <a:p>
             <a:fld id="{F57735D5-45E6-4E70-8AE2-EC3C26243351}" type="datetime1">
               <a:rPr lang="fr-FR" smtClean="0"/>
-              <a:t>17/02/2020</a:t>
+              <a:t>18/02/2020</a:t>
             </a:fld>
             <a:endParaRPr lang="fr-FR"/>
           </a:p>
@@ -7427,7 +7436,7 @@
           <a:p>
             <a:fld id="{14E87F31-D746-4D9A-AB9A-0A7E0B9EDB06}" type="datetime1">
               <a:rPr lang="fr-FR" smtClean="0"/>
-              <a:t>17/02/2020</a:t>
+              <a:t>18/02/2020</a:t>
             </a:fld>
             <a:endParaRPr lang="fr-FR"/>
           </a:p>
@@ -7545,7 +7554,7 @@
           <a:p>
             <a:fld id="{F50DD8B8-564C-438C-925E-A86BB6B75643}" type="datetime1">
               <a:rPr lang="fr-FR" smtClean="0"/>
-              <a:t>17/02/2020</a:t>
+              <a:t>18/02/2020</a:t>
             </a:fld>
             <a:endParaRPr lang="fr-FR"/>
           </a:p>
@@ -7716,7 +7725,7 @@
           <a:p>
             <a:fld id="{2AB2F1CD-DAFC-49D4-BE36-CB702C9788C7}" type="datetime1">
               <a:rPr lang="fr-FR" smtClean="0"/>
-              <a:t>17/02/2020</a:t>
+              <a:t>18/02/2020</a:t>
             </a:fld>
             <a:endParaRPr lang="fr-FR"/>
           </a:p>
@@ -8070,7 +8079,7 @@
           <a:p>
             <a:fld id="{FCD1B47F-E887-4466-BEEF-DF876A9B42D4}" type="datetime1">
               <a:rPr lang="fr-FR" smtClean="0"/>
-              <a:t>17/02/2020</a:t>
+              <a:t>18/02/2020</a:t>
             </a:fld>
             <a:endParaRPr lang="fr-FR"/>
           </a:p>
@@ -8447,7 +8456,7 @@
           <a:p>
             <a:fld id="{F0D484E4-8925-47BE-ADF5-A371DA8C5BA3}" type="datetime1">
               <a:rPr lang="fr-FR" smtClean="0"/>
-              <a:t>17/02/2020</a:t>
+              <a:t>18/02/2020</a:t>
             </a:fld>
             <a:endParaRPr lang="fr-FR"/>
           </a:p>
@@ -8734,7 +8743,7 @@
           <a:p>
             <a:fld id="{0B7BD6F9-0526-4179-A79F-BAD1866B8FEC}" type="datetime1">
               <a:rPr lang="fr-FR" smtClean="0"/>
-              <a:t>17/02/2020</a:t>
+              <a:t>18/02/2020</a:t>
             </a:fld>
             <a:endParaRPr lang="fr-FR"/>
           </a:p>
@@ -10349,7 +10358,7 @@
         </p:nvSpPr>
         <p:spPr>
           <a:xfrm>
-            <a:off x="552450" y="2743200"/>
+            <a:off x="509318" y="1708030"/>
             <a:ext cx="2914650" cy="1200329"/>
           </a:xfrm>
           <a:prstGeom prst="rect">
@@ -10404,6 +10413,74 @@
             <a:r>
               <a:rPr lang="fr-FR" dirty="0"/>
               <a:t>512 dans 21% des cas  </a:t>
+            </a:r>
+          </a:p>
+        </p:txBody>
+      </p:sp>
+      <p:sp>
+        <p:nvSpPr>
+          <p:cNvPr id="4" name="ZoneTexte 3">
+            <a:extLst>
+              <a:ext uri="{FF2B5EF4-FFF2-40B4-BE49-F238E27FC236}">
+                <a16:creationId xmlns:a16="http://schemas.microsoft.com/office/drawing/2014/main" id="{8F8A74CD-36B4-47EB-B8FE-541E920DAD2A}"/>
+              </a:ext>
+            </a:extLst>
+          </p:cNvPr>
+          <p:cNvSpPr txBox="1"/>
+          <p:nvPr/>
+        </p:nvSpPr>
+        <p:spPr>
+          <a:xfrm>
+            <a:off x="511834" y="4235570"/>
+            <a:ext cx="2930105" cy="1477328"/>
+          </a:xfrm>
+          <a:prstGeom prst="rect">
+            <a:avLst/>
+          </a:prstGeom>
+          <a:noFill/>
+        </p:spPr>
+        <p:txBody>
+          <a:bodyPr rot="0" spcFirstLastPara="0" vertOverflow="overflow" horzOverflow="overflow" vert="horz" wrap="square" lIns="91440" tIns="45720" rIns="91440" bIns="45720" numCol="1" spcCol="0" rtlCol="0" fromWordArt="0" anchor="t" anchorCtr="0" forceAA="0" compatLnSpc="1">
+            <a:prstTxWarp prst="textNoShape">
+              <a:avLst/>
+            </a:prstTxWarp>
+            <a:spAutoFit/>
+          </a:bodyPr>
+          <a:lstStyle/>
+          <a:p>
+            <a:r>
+              <a:rPr lang="fr-FR" b="1"/>
+              <a:t>Améliorations : </a:t>
+            </a:r>
+          </a:p>
+          <a:p>
+            <a:pPr marL="285750" indent="-285750">
+              <a:buFont typeface="Arial"/>
+              <a:buChar char="•"/>
+            </a:pPr>
+            <a:r>
+              <a:rPr lang="fr-FR">
+                <a:cs typeface="Calibri"/>
+              </a:rPr>
+              <a:t>Combiner différentes stratégies</a:t>
+            </a:r>
+          </a:p>
+          <a:p>
+            <a:pPr marL="285750" indent="-285750">
+              <a:buFont typeface="Arial"/>
+              <a:buChar char="•"/>
+            </a:pPr>
+            <a:r>
+              <a:rPr lang="fr-FR">
+                <a:cs typeface="Calibri"/>
+              </a:rPr>
+              <a:t>Regarder plusieurs coups </a:t>
+            </a:r>
+            <a:r>
+              <a:rPr lang="fr-FR" dirty="0">
+                <a:cs typeface="Calibri"/>
+              </a:rPr>
+              <a:t>à l'avance</a:t>
             </a:r>
           </a:p>
         </p:txBody>
@@ -10638,7 +10715,7 @@
           <a:noFill/>
         </p:spPr>
         <p:txBody>
-          <a:bodyPr wrap="square" rtlCol="0">
+          <a:bodyPr wrap="square" rtlCol="0" anchor="t">
             <a:spAutoFit/>
           </a:bodyPr>
           <a:lstStyle/>
@@ -10669,7 +10746,7 @@
             </a:pPr>
             <a:r>
               <a:rPr lang="fr-FR" dirty="0"/>
-              <a:t>chaque tuile s'avancent </a:t>
+              <a:t>chaque tuile s'avance </a:t>
             </a:r>
             <a:r>
               <a:rPr lang="fr-FR" b="1" dirty="0"/>
@@ -11457,7 +11534,7 @@
           </a:ln>
         </p:spPr>
         <p:txBody>
-          <a:bodyPr wrap="square" rtlCol="0">
+          <a:bodyPr wrap="square" rtlCol="0" anchor="t">
             <a:spAutoFit/>
           </a:bodyPr>
           <a:lstStyle/>
@@ -11485,9 +11562,8 @@
             </a:pPr>
             <a:r>
               <a:rPr lang="fr-FR" b="1" dirty="0" err="1"/>
-              <a:t>addTiles</a:t>
-            </a:r>
-            <a:endParaRPr lang="fr-FR" b="1" dirty="0"/>
+              <a:t>add_tiles</a:t>
+            </a:r>
           </a:p>
           <a:p>
             <a:r>
@@ -11525,7 +11601,7 @@
           </a:ln>
         </p:spPr>
         <p:txBody>
-          <a:bodyPr wrap="square" rtlCol="0">
+          <a:bodyPr wrap="square" rtlCol="0" anchor="t">
             <a:spAutoFit/>
           </a:bodyPr>
           <a:lstStyle/>
@@ -11536,9 +11612,8 @@
             </a:pPr>
             <a:r>
               <a:rPr lang="fr-FR" b="1" dirty="0" err="1"/>
-              <a:t>rotateMatrix</a:t>
-            </a:r>
-            <a:endParaRPr lang="fr-FR" b="1" dirty="0"/>
+              <a:t>rotate_matrix</a:t>
+            </a:r>
           </a:p>
           <a:p>
             <a:r>
@@ -11553,9 +11628,8 @@
             </a:pPr>
             <a:r>
               <a:rPr lang="fr-FR" b="1" dirty="0" err="1"/>
-              <a:t>rotateMatrixMultiple</a:t>
-            </a:r>
-            <a:endParaRPr lang="fr-FR" b="1" dirty="0"/>
+              <a:t>rotate_matrix_multiple</a:t>
+            </a:r>
           </a:p>
           <a:p>
             <a:r>
@@ -11857,7 +11931,7 @@
           </a:ln>
         </p:spPr>
         <p:txBody>
-          <a:bodyPr wrap="square" rtlCol="0">
+          <a:bodyPr wrap="square" rtlCol="0" anchor="t">
             <a:spAutoFit/>
           </a:bodyPr>
           <a:lstStyle/>
@@ -11868,9 +11942,8 @@
             </a:pPr>
             <a:r>
               <a:rPr lang="fr-FR" b="1" dirty="0" err="1"/>
-              <a:t>updateTiles</a:t>
-            </a:r>
-            <a:endParaRPr lang="fr-FR" b="1" dirty="0"/>
+              <a:t>update_tiles</a:t>
+            </a:r>
           </a:p>
           <a:p>
             <a:r>

--- a/Projet Info – Jeu 2048.pptx
+++ b/Projet Info – Jeu 2048.pptx
@@ -1985,7 +1985,7 @@
       <dgm:spPr/>
     </dgm:pt>
     <dgm:pt modelId="{D78C1815-5EC4-4119-B68D-A4175D9B2C6F}" type="pres">
-      <dgm:prSet presAssocID="{FCA5F925-8835-44D9-9B46-BE1CFE9F2134}" presName="sibTrans" presStyleLbl="node1" presStyleIdx="0" presStyleCnt="3"/>
+      <dgm:prSet presAssocID="{FCA5F925-8835-44D9-9B46-BE1CFE9F2134}" presName="sibTrans" presStyleLbl="node1" presStyleIdx="0" presStyleCnt="3" custScaleX="99490"/>
       <dgm:spPr/>
     </dgm:pt>
     <dgm:pt modelId="{284D5AFE-93D1-4134-AC23-F27841F48E22}" type="pres">
@@ -2484,8 +2484,8 @@
       </dsp:nvSpPr>
       <dsp:spPr>
         <a:xfrm>
-          <a:off x="1290464" y="41642"/>
-          <a:ext cx="4422809" cy="4422809"/>
+          <a:off x="1301742" y="41642"/>
+          <a:ext cx="4400253" cy="4422809"/>
         </a:xfrm>
         <a:prstGeom prst="circularArrow">
           <a:avLst>
@@ -10495,6 +10495,84 @@
   <p:clrMapOvr>
     <a:masterClrMapping/>
   </p:clrMapOvr>
+  <p:timing>
+    <p:tnLst>
+      <p:par>
+        <p:cTn id="1" dur="indefinite" restart="never" nodeType="tmRoot">
+          <p:childTnLst>
+            <p:seq concurrent="1" nextAc="seek">
+              <p:cTn id="2" dur="indefinite" nodeType="mainSeq">
+                <p:childTnLst>
+                  <p:par>
+                    <p:cTn id="3" fill="hold">
+                      <p:stCondLst>
+                        <p:cond delay="indefinite"/>
+                      </p:stCondLst>
+                      <p:childTnLst>
+                        <p:par>
+                          <p:cTn id="4" fill="hold">
+                            <p:stCondLst>
+                              <p:cond delay="0"/>
+                            </p:stCondLst>
+                            <p:childTnLst>
+                              <p:par>
+                                <p:cTn id="5" presetID="1" presetClass="entr" presetSubtype="0" fill="hold" grpId="0" nodeType="clickEffect">
+                                  <p:stCondLst>
+                                    <p:cond delay="0"/>
+                                  </p:stCondLst>
+                                  <p:childTnLst>
+                                    <p:set>
+                                      <p:cBhvr>
+                                        <p:cTn id="6" dur="1" fill="hold">
+                                          <p:stCondLst>
+                                            <p:cond delay="0"/>
+                                          </p:stCondLst>
+                                        </p:cTn>
+                                        <p:tgtEl>
+                                          <p:spTgt spid="4"/>
+                                        </p:tgtEl>
+                                        <p:attrNameLst>
+                                          <p:attrName>style.visibility</p:attrName>
+                                        </p:attrNameLst>
+                                      </p:cBhvr>
+                                      <p:to>
+                                        <p:strVal val="visible"/>
+                                      </p:to>
+                                    </p:set>
+                                  </p:childTnLst>
+                                </p:cTn>
+                              </p:par>
+                            </p:childTnLst>
+                          </p:cTn>
+                        </p:par>
+                      </p:childTnLst>
+                    </p:cTn>
+                  </p:par>
+                </p:childTnLst>
+              </p:cTn>
+              <p:prevCondLst>
+                <p:cond evt="onPrev" delay="0">
+                  <p:tgtEl>
+                    <p:sldTgt/>
+                  </p:tgtEl>
+                </p:cond>
+              </p:prevCondLst>
+              <p:nextCondLst>
+                <p:cond evt="onNext" delay="0">
+                  <p:tgtEl>
+                    <p:sldTgt/>
+                  </p:tgtEl>
+                </p:cond>
+              </p:nextCondLst>
+            </p:seq>
+          </p:childTnLst>
+        </p:cTn>
+      </p:par>
+    </p:tnLst>
+    <p:bldLst>
+      <p:bldP spid="4" grpId="0"/>
+    </p:bldLst>
+  </p:timing>
 </p:sld>
 </file>
 
@@ -10540,7 +10618,7 @@
           <a:p>
             <a:r>
               <a:rPr lang="fr-FR" dirty="0"/>
-              <a:t>IV. Démonstration Intelligence Artificielle</a:t>
+              <a:t>V. Démonstration Intelligence Artificielle</a:t>
             </a:r>
           </a:p>
         </p:txBody>
@@ -10726,7 +10804,7 @@
             </a:pPr>
             <a:r>
               <a:rPr lang="fr-FR" dirty="0"/>
-              <a:t>On commence avec une grille vide de 4 x 4 cases, sur laquelle est disposée aléatoirement deux tuiles avec le chiffre 2 (ou 4, rarement).</a:t>
+              <a:t>On commence avec une grille vide de 4 x 4 cases, sur laquelle sont disposées aléatoirement deux tuiles avec le chiffre 2 (ou 4, rarement).</a:t>
             </a:r>
           </a:p>
           <a:p>
@@ -11009,9 +11087,10 @@
               <a:buChar char="-"/>
             </a:pPr>
             <a:r>
-              <a:rPr lang="fr-FR" dirty="0"/>
-              <a:t>Reset Game</a:t>
-            </a:r>
+              <a:rPr lang="fr-FR" dirty="0" err="1"/>
+              <a:t>reset_game</a:t>
+            </a:r>
+            <a:endParaRPr lang="fr-FR" dirty="0"/>
           </a:p>
           <a:p>
             <a:pPr marL="285750" indent="-285750">
@@ -11020,15 +11099,7 @@
             </a:pPr>
             <a:r>
               <a:rPr lang="fr-FR" dirty="0" err="1"/>
-              <a:t>Add</a:t>
-            </a:r>
-            <a:r>
-              <a:rPr lang="fr-FR" dirty="0"/>
-              <a:t> </a:t>
-            </a:r>
-            <a:r>
-              <a:rPr lang="fr-FR" dirty="0" err="1"/>
-              <a:t>Tile</a:t>
+              <a:t>add_tiles</a:t>
             </a:r>
             <a:endParaRPr lang="fr-FR" dirty="0"/>
           </a:p>
@@ -11039,7 +11110,7 @@
             </a:pPr>
             <a:r>
               <a:rPr lang="fr-FR" dirty="0" err="1"/>
-              <a:t>Rotate</a:t>
+              <a:t>rotate</a:t>
             </a:r>
             <a:endParaRPr lang="fr-FR" dirty="0"/>
           </a:p>
@@ -11049,10 +11120,9 @@
               <a:buChar char="-"/>
             </a:pPr>
             <a:r>
-              <a:rPr lang="fr-FR" dirty="0" err="1"/>
-              <a:t>Move_tiles</a:t>
-            </a:r>
-            <a:endParaRPr lang="fr-FR" dirty="0"/>
+              <a:rPr lang="fr-FR" dirty="0"/>
+              <a:t>moves</a:t>
+            </a:r>
           </a:p>
           <a:p>
             <a:pPr marL="285750" indent="-285750">
@@ -11060,12 +11130,8 @@
               <a:buChar char="-"/>
             </a:pPr>
             <a:r>
-              <a:rPr lang="fr-FR" dirty="0"/>
-              <a:t>Update </a:t>
-            </a:r>
-            <a:r>
               <a:rPr lang="fr-FR" dirty="0" err="1"/>
-              <a:t>tile</a:t>
+              <a:t>update_tiles</a:t>
             </a:r>
             <a:r>
               <a:rPr lang="fr-FR" dirty="0"/>
@@ -11079,7 +11145,7 @@
             </a:pPr>
             <a:r>
               <a:rPr lang="fr-FR" dirty="0" err="1"/>
-              <a:t>Game_state</a:t>
+              <a:t>game_state</a:t>
             </a:r>
             <a:endParaRPr lang="fr-FR" dirty="0"/>
           </a:p>
@@ -11100,7 +11166,7 @@
         <p:spPr>
           <a:xfrm>
             <a:off x="9900458" y="1843714"/>
-            <a:ext cx="2085975" cy="1200329"/>
+            <a:ext cx="2085975" cy="923330"/>
           </a:xfrm>
           <a:prstGeom prst="rect">
             <a:avLst/>
@@ -11142,9 +11208,6 @@
               <a:rPr lang="fr-FR" dirty="0"/>
               <a:t>Couleurs</a:t>
             </a:r>
-          </a:p>
-          <a:p>
-            <a:endParaRPr lang="fr-FR" dirty="0"/>
           </a:p>
         </p:txBody>
       </p:sp>
@@ -11208,7 +11271,7 @@
             </a:pPr>
             <a:r>
               <a:rPr lang="fr-FR" dirty="0"/>
-              <a:t>Lien avec le clavier et/ou les boutons</a:t>
+              <a:t>lien avec le clavier et/ou les boutons</a:t>
             </a:r>
           </a:p>
         </p:txBody>
@@ -11277,8 +11340,8 @@
         </p:nvCxnSpPr>
         <p:spPr>
           <a:xfrm flipH="1">
-            <a:off x="9098280" y="3044043"/>
-            <a:ext cx="1845166" cy="1246206"/>
+            <a:off x="9098280" y="2767044"/>
+            <a:ext cx="1845166" cy="1523205"/>
           </a:xfrm>
           <a:prstGeom prst="straightConnector1">
             <a:avLst/>
@@ -11427,6 +11490,316 @@
   <p:clrMapOvr>
     <a:masterClrMapping/>
   </p:clrMapOvr>
+  <p:timing>
+    <p:tnLst>
+      <p:par>
+        <p:cTn id="1" dur="indefinite" restart="never" nodeType="tmRoot">
+          <p:childTnLst>
+            <p:seq concurrent="1" nextAc="seek">
+              <p:cTn id="2" dur="indefinite" nodeType="mainSeq">
+                <p:childTnLst>
+                  <p:par>
+                    <p:cTn id="3" fill="hold">
+                      <p:stCondLst>
+                        <p:cond delay="indefinite"/>
+                      </p:stCondLst>
+                      <p:childTnLst>
+                        <p:par>
+                          <p:cTn id="4" fill="hold">
+                            <p:stCondLst>
+                              <p:cond delay="0"/>
+                            </p:stCondLst>
+                            <p:childTnLst>
+                              <p:par>
+                                <p:cTn id="5" presetID="1" presetClass="entr" presetSubtype="0" fill="hold" grpId="0" nodeType="clickEffect">
+                                  <p:stCondLst>
+                                    <p:cond delay="0"/>
+                                  </p:stCondLst>
+                                  <p:childTnLst>
+                                    <p:set>
+                                      <p:cBhvr>
+                                        <p:cTn id="6" dur="1" fill="hold">
+                                          <p:stCondLst>
+                                            <p:cond delay="0"/>
+                                          </p:stCondLst>
+                                        </p:cTn>
+                                        <p:tgtEl>
+                                          <p:spTgt spid="18"/>
+                                        </p:tgtEl>
+                                        <p:attrNameLst>
+                                          <p:attrName>style.visibility</p:attrName>
+                                        </p:attrNameLst>
+                                      </p:cBhvr>
+                                      <p:to>
+                                        <p:strVal val="visible"/>
+                                      </p:to>
+                                    </p:set>
+                                  </p:childTnLst>
+                                </p:cTn>
+                              </p:par>
+                            </p:childTnLst>
+                          </p:cTn>
+                        </p:par>
+                      </p:childTnLst>
+                    </p:cTn>
+                  </p:par>
+                  <p:par>
+                    <p:cTn id="7" fill="hold">
+                      <p:stCondLst>
+                        <p:cond delay="indefinite"/>
+                      </p:stCondLst>
+                      <p:childTnLst>
+                        <p:par>
+                          <p:cTn id="8" fill="hold">
+                            <p:stCondLst>
+                              <p:cond delay="0"/>
+                            </p:stCondLst>
+                            <p:childTnLst>
+                              <p:par>
+                                <p:cTn id="9" presetID="1" presetClass="entr" presetSubtype="0" fill="hold" grpId="0" nodeType="clickEffect">
+                                  <p:stCondLst>
+                                    <p:cond delay="0"/>
+                                  </p:stCondLst>
+                                  <p:childTnLst>
+                                    <p:set>
+                                      <p:cBhvr>
+                                        <p:cTn id="10" dur="1" fill="hold">
+                                          <p:stCondLst>
+                                            <p:cond delay="0"/>
+                                          </p:stCondLst>
+                                        </p:cTn>
+                                        <p:tgtEl>
+                                          <p:spTgt spid="23"/>
+                                        </p:tgtEl>
+                                        <p:attrNameLst>
+                                          <p:attrName>style.visibility</p:attrName>
+                                        </p:attrNameLst>
+                                      </p:cBhvr>
+                                      <p:to>
+                                        <p:strVal val="visible"/>
+                                      </p:to>
+                                    </p:set>
+                                  </p:childTnLst>
+                                </p:cTn>
+                              </p:par>
+                              <p:par>
+                                <p:cTn id="11" presetID="1" presetClass="entr" presetSubtype="0" fill="hold" grpId="0" nodeType="withEffect">
+                                  <p:stCondLst>
+                                    <p:cond delay="0"/>
+                                  </p:stCondLst>
+                                  <p:childTnLst>
+                                    <p:set>
+                                      <p:cBhvr>
+                                        <p:cTn id="12" dur="1" fill="hold">
+                                          <p:stCondLst>
+                                            <p:cond delay="0"/>
+                                          </p:stCondLst>
+                                        </p:cTn>
+                                        <p:tgtEl>
+                                          <p:spTgt spid="24"/>
+                                        </p:tgtEl>
+                                        <p:attrNameLst>
+                                          <p:attrName>style.visibility</p:attrName>
+                                        </p:attrNameLst>
+                                      </p:cBhvr>
+                                      <p:to>
+                                        <p:strVal val="visible"/>
+                                      </p:to>
+                                    </p:set>
+                                  </p:childTnLst>
+                                </p:cTn>
+                              </p:par>
+                            </p:childTnLst>
+                          </p:cTn>
+                        </p:par>
+                      </p:childTnLst>
+                    </p:cTn>
+                  </p:par>
+                  <p:par>
+                    <p:cTn id="13" fill="hold">
+                      <p:stCondLst>
+                        <p:cond delay="indefinite"/>
+                      </p:stCondLst>
+                      <p:childTnLst>
+                        <p:par>
+                          <p:cTn id="14" fill="hold">
+                            <p:stCondLst>
+                              <p:cond delay="0"/>
+                            </p:stCondLst>
+                            <p:childTnLst>
+                              <p:par>
+                                <p:cTn id="15" presetID="1" presetClass="entr" presetSubtype="0" fill="hold" grpId="0" nodeType="clickEffect">
+                                  <p:stCondLst>
+                                    <p:cond delay="0"/>
+                                  </p:stCondLst>
+                                  <p:childTnLst>
+                                    <p:set>
+                                      <p:cBhvr>
+                                        <p:cTn id="16" dur="1" fill="hold">
+                                          <p:stCondLst>
+                                            <p:cond delay="0"/>
+                                          </p:stCondLst>
+                                        </p:cTn>
+                                        <p:tgtEl>
+                                          <p:spTgt spid="7"/>
+                                        </p:tgtEl>
+                                        <p:attrNameLst>
+                                          <p:attrName>style.visibility</p:attrName>
+                                        </p:attrNameLst>
+                                      </p:cBhvr>
+                                      <p:to>
+                                        <p:strVal val="visible"/>
+                                      </p:to>
+                                    </p:set>
+                                  </p:childTnLst>
+                                </p:cTn>
+                              </p:par>
+                              <p:par>
+                                <p:cTn id="17" presetID="1" presetClass="entr" presetSubtype="0" fill="hold" grpId="0" nodeType="withEffect">
+                                  <p:stCondLst>
+                                    <p:cond delay="0"/>
+                                  </p:stCondLst>
+                                  <p:childTnLst>
+                                    <p:set>
+                                      <p:cBhvr>
+                                        <p:cTn id="18" dur="1" fill="hold">
+                                          <p:stCondLst>
+                                            <p:cond delay="0"/>
+                                          </p:stCondLst>
+                                        </p:cTn>
+                                        <p:tgtEl>
+                                          <p:spTgt spid="8"/>
+                                        </p:tgtEl>
+                                        <p:attrNameLst>
+                                          <p:attrName>style.visibility</p:attrName>
+                                        </p:attrNameLst>
+                                      </p:cBhvr>
+                                      <p:to>
+                                        <p:strVal val="visible"/>
+                                      </p:to>
+                                    </p:set>
+                                  </p:childTnLst>
+                                </p:cTn>
+                              </p:par>
+                              <p:par>
+                                <p:cTn id="19" presetID="1" presetClass="entr" presetSubtype="0" fill="hold" nodeType="withEffect">
+                                  <p:stCondLst>
+                                    <p:cond delay="0"/>
+                                  </p:stCondLst>
+                                  <p:childTnLst>
+                                    <p:set>
+                                      <p:cBhvr>
+                                        <p:cTn id="20" dur="1" fill="hold">
+                                          <p:stCondLst>
+                                            <p:cond delay="0"/>
+                                          </p:stCondLst>
+                                        </p:cTn>
+                                        <p:tgtEl>
+                                          <p:spTgt spid="10"/>
+                                        </p:tgtEl>
+                                        <p:attrNameLst>
+                                          <p:attrName>style.visibility</p:attrName>
+                                        </p:attrNameLst>
+                                      </p:cBhvr>
+                                      <p:to>
+                                        <p:strVal val="visible"/>
+                                      </p:to>
+                                    </p:set>
+                                  </p:childTnLst>
+                                </p:cTn>
+                              </p:par>
+                              <p:par>
+                                <p:cTn id="21" presetID="1" presetClass="entr" presetSubtype="0" fill="hold" nodeType="withEffect">
+                                  <p:stCondLst>
+                                    <p:cond delay="0"/>
+                                  </p:stCondLst>
+                                  <p:childTnLst>
+                                    <p:set>
+                                      <p:cBhvr>
+                                        <p:cTn id="22" dur="1" fill="hold">
+                                          <p:stCondLst>
+                                            <p:cond delay="0"/>
+                                          </p:stCondLst>
+                                        </p:cTn>
+                                        <p:tgtEl>
+                                          <p:spTgt spid="5"/>
+                                        </p:tgtEl>
+                                        <p:attrNameLst>
+                                          <p:attrName>style.visibility</p:attrName>
+                                        </p:attrNameLst>
+                                      </p:cBhvr>
+                                      <p:to>
+                                        <p:strVal val="visible"/>
+                                      </p:to>
+                                    </p:set>
+                                  </p:childTnLst>
+                                </p:cTn>
+                              </p:par>
+                              <p:par>
+                                <p:cTn id="23" presetID="1" presetClass="entr" presetSubtype="0" fill="hold" grpId="0" nodeType="withEffect">
+                                  <p:stCondLst>
+                                    <p:cond delay="0"/>
+                                  </p:stCondLst>
+                                  <p:childTnLst>
+                                    <p:set>
+                                      <p:cBhvr>
+                                        <p:cTn id="24" dur="1" fill="hold">
+                                          <p:stCondLst>
+                                            <p:cond delay="0"/>
+                                          </p:stCondLst>
+                                        </p:cTn>
+                                        <p:tgtEl>
+                                          <p:spTgt spid="9"/>
+                                        </p:tgtEl>
+                                        <p:attrNameLst>
+                                          <p:attrName>style.visibility</p:attrName>
+                                        </p:attrNameLst>
+                                      </p:cBhvr>
+                                      <p:to>
+                                        <p:strVal val="visible"/>
+                                      </p:to>
+                                    </p:set>
+                                  </p:childTnLst>
+                                </p:cTn>
+                              </p:par>
+                            </p:childTnLst>
+                          </p:cTn>
+                        </p:par>
+                      </p:childTnLst>
+                    </p:cTn>
+                  </p:par>
+                </p:childTnLst>
+              </p:cTn>
+              <p:prevCondLst>
+                <p:cond evt="onPrev" delay="0">
+                  <p:tgtEl>
+                    <p:sldTgt/>
+                  </p:tgtEl>
+                </p:cond>
+              </p:prevCondLst>
+              <p:nextCondLst>
+                <p:cond evt="onNext" delay="0">
+                  <p:tgtEl>
+                    <p:sldTgt/>
+                  </p:tgtEl>
+                </p:cond>
+              </p:nextCondLst>
+            </p:seq>
+          </p:childTnLst>
+        </p:cTn>
+      </p:par>
+    </p:tnLst>
+    <p:bldLst>
+      <p:bldP spid="7" grpId="0" animBg="1"/>
+      <p:bldP spid="8" grpId="0" animBg="1"/>
+      <p:bldP spid="9" grpId="0" animBg="1"/>
+      <p:bldGraphic spid="18" grpId="0">
+        <p:bldAsOne/>
+      </p:bldGraphic>
+      <p:bldP spid="23" grpId="0" animBg="1"/>
+      <p:bldP spid="24" grpId="0"/>
+    </p:bldLst>
+  </p:timing>
 </p:sld>
 </file>
 
@@ -11729,13 +12102,8 @@
             </a:pPr>
             <a:r>
               <a:rPr lang="fr-FR" b="1" dirty="0"/>
-              <a:t>moves et </a:t>
-            </a:r>
-            <a:r>
-              <a:rPr lang="fr-FR" b="1" dirty="0" err="1"/>
-              <a:t>move_tiles</a:t>
-            </a:r>
-            <a:endParaRPr lang="fr-FR" b="1" dirty="0"/>
+              <a:t>moves</a:t>
+            </a:r>
           </a:p>
           <a:p>
             <a:r>
@@ -12027,6 +12395,334 @@
   <p:clrMapOvr>
     <a:masterClrMapping/>
   </p:clrMapOvr>
+  <p:timing>
+    <p:tnLst>
+      <p:par>
+        <p:cTn id="1" dur="indefinite" restart="never" nodeType="tmRoot">
+          <p:childTnLst>
+            <p:seq concurrent="1" nextAc="seek">
+              <p:cTn id="2" dur="indefinite" nodeType="mainSeq">
+                <p:childTnLst>
+                  <p:par>
+                    <p:cTn id="3" fill="hold">
+                      <p:stCondLst>
+                        <p:cond delay="indefinite"/>
+                      </p:stCondLst>
+                      <p:childTnLst>
+                        <p:par>
+                          <p:cTn id="4" fill="hold">
+                            <p:stCondLst>
+                              <p:cond delay="0"/>
+                            </p:stCondLst>
+                            <p:childTnLst>
+                              <p:par>
+                                <p:cTn id="5" presetID="1" presetClass="entr" presetSubtype="0" fill="hold" grpId="0" nodeType="clickEffect">
+                                  <p:stCondLst>
+                                    <p:cond delay="0"/>
+                                  </p:stCondLst>
+                                  <p:childTnLst>
+                                    <p:set>
+                                      <p:cBhvr>
+                                        <p:cTn id="6" dur="1" fill="hold">
+                                          <p:stCondLst>
+                                            <p:cond delay="0"/>
+                                          </p:stCondLst>
+                                        </p:cTn>
+                                        <p:tgtEl>
+                                          <p:spTgt spid="4"/>
+                                        </p:tgtEl>
+                                        <p:attrNameLst>
+                                          <p:attrName>style.visibility</p:attrName>
+                                        </p:attrNameLst>
+                                      </p:cBhvr>
+                                      <p:to>
+                                        <p:strVal val="visible"/>
+                                      </p:to>
+                                    </p:set>
+                                  </p:childTnLst>
+                                </p:cTn>
+                              </p:par>
+                              <p:par>
+                                <p:cTn id="7" presetID="1" presetClass="entr" presetSubtype="0" fill="hold" grpId="0" nodeType="withEffect">
+                                  <p:stCondLst>
+                                    <p:cond delay="0"/>
+                                  </p:stCondLst>
+                                  <p:childTnLst>
+                                    <p:set>
+                                      <p:cBhvr>
+                                        <p:cTn id="8" dur="1" fill="hold">
+                                          <p:stCondLst>
+                                            <p:cond delay="0"/>
+                                          </p:stCondLst>
+                                        </p:cTn>
+                                        <p:tgtEl>
+                                          <p:spTgt spid="9"/>
+                                        </p:tgtEl>
+                                        <p:attrNameLst>
+                                          <p:attrName>style.visibility</p:attrName>
+                                        </p:attrNameLst>
+                                      </p:cBhvr>
+                                      <p:to>
+                                        <p:strVal val="visible"/>
+                                      </p:to>
+                                    </p:set>
+                                  </p:childTnLst>
+                                </p:cTn>
+                              </p:par>
+                            </p:childTnLst>
+                          </p:cTn>
+                        </p:par>
+                      </p:childTnLst>
+                    </p:cTn>
+                  </p:par>
+                  <p:par>
+                    <p:cTn id="9" fill="hold">
+                      <p:stCondLst>
+                        <p:cond delay="indefinite"/>
+                      </p:stCondLst>
+                      <p:childTnLst>
+                        <p:par>
+                          <p:cTn id="10" fill="hold">
+                            <p:stCondLst>
+                              <p:cond delay="0"/>
+                            </p:stCondLst>
+                            <p:childTnLst>
+                              <p:par>
+                                <p:cTn id="11" presetID="1" presetClass="entr" presetSubtype="0" fill="hold" grpId="0" nodeType="clickEffect">
+                                  <p:stCondLst>
+                                    <p:cond delay="0"/>
+                                  </p:stCondLst>
+                                  <p:childTnLst>
+                                    <p:set>
+                                      <p:cBhvr>
+                                        <p:cTn id="12" dur="1" fill="hold">
+                                          <p:stCondLst>
+                                            <p:cond delay="0"/>
+                                          </p:stCondLst>
+                                        </p:cTn>
+                                        <p:tgtEl>
+                                          <p:spTgt spid="7"/>
+                                        </p:tgtEl>
+                                        <p:attrNameLst>
+                                          <p:attrName>style.visibility</p:attrName>
+                                        </p:attrNameLst>
+                                      </p:cBhvr>
+                                      <p:to>
+                                        <p:strVal val="visible"/>
+                                      </p:to>
+                                    </p:set>
+                                  </p:childTnLst>
+                                </p:cTn>
+                              </p:par>
+                              <p:par>
+                                <p:cTn id="13" presetID="1" presetClass="entr" presetSubtype="0" fill="hold" grpId="0" nodeType="withEffect">
+                                  <p:stCondLst>
+                                    <p:cond delay="0"/>
+                                  </p:stCondLst>
+                                  <p:childTnLst>
+                                    <p:set>
+                                      <p:cBhvr>
+                                        <p:cTn id="14" dur="1" fill="hold">
+                                          <p:stCondLst>
+                                            <p:cond delay="0"/>
+                                          </p:stCondLst>
+                                        </p:cTn>
+                                        <p:tgtEl>
+                                          <p:spTgt spid="5"/>
+                                        </p:tgtEl>
+                                        <p:attrNameLst>
+                                          <p:attrName>style.visibility</p:attrName>
+                                        </p:attrNameLst>
+                                      </p:cBhvr>
+                                      <p:to>
+                                        <p:strVal val="visible"/>
+                                      </p:to>
+                                    </p:set>
+                                  </p:childTnLst>
+                                </p:cTn>
+                              </p:par>
+                            </p:childTnLst>
+                          </p:cTn>
+                        </p:par>
+                      </p:childTnLst>
+                    </p:cTn>
+                  </p:par>
+                  <p:par>
+                    <p:cTn id="15" fill="hold">
+                      <p:stCondLst>
+                        <p:cond delay="indefinite"/>
+                      </p:stCondLst>
+                      <p:childTnLst>
+                        <p:par>
+                          <p:cTn id="16" fill="hold">
+                            <p:stCondLst>
+                              <p:cond delay="0"/>
+                            </p:stCondLst>
+                            <p:childTnLst>
+                              <p:par>
+                                <p:cTn id="17" presetID="1" presetClass="entr" presetSubtype="0" fill="hold" grpId="0" nodeType="clickEffect">
+                                  <p:stCondLst>
+                                    <p:cond delay="0"/>
+                                  </p:stCondLst>
+                                  <p:childTnLst>
+                                    <p:set>
+                                      <p:cBhvr>
+                                        <p:cTn id="18" dur="1" fill="hold">
+                                          <p:stCondLst>
+                                            <p:cond delay="0"/>
+                                          </p:stCondLst>
+                                        </p:cTn>
+                                        <p:tgtEl>
+                                          <p:spTgt spid="6"/>
+                                        </p:tgtEl>
+                                        <p:attrNameLst>
+                                          <p:attrName>style.visibility</p:attrName>
+                                        </p:attrNameLst>
+                                      </p:cBhvr>
+                                      <p:to>
+                                        <p:strVal val="visible"/>
+                                      </p:to>
+                                    </p:set>
+                                  </p:childTnLst>
+                                </p:cTn>
+                              </p:par>
+                              <p:par>
+                                <p:cTn id="19" presetID="1" presetClass="entr" presetSubtype="0" fill="hold" grpId="0" nodeType="withEffect">
+                                  <p:stCondLst>
+                                    <p:cond delay="0"/>
+                                  </p:stCondLst>
+                                  <p:childTnLst>
+                                    <p:set>
+                                      <p:cBhvr>
+                                        <p:cTn id="20" dur="1" fill="hold">
+                                          <p:stCondLst>
+                                            <p:cond delay="0"/>
+                                          </p:stCondLst>
+                                        </p:cTn>
+                                        <p:tgtEl>
+                                          <p:spTgt spid="10"/>
+                                        </p:tgtEl>
+                                        <p:attrNameLst>
+                                          <p:attrName>style.visibility</p:attrName>
+                                        </p:attrNameLst>
+                                      </p:cBhvr>
+                                      <p:to>
+                                        <p:strVal val="visible"/>
+                                      </p:to>
+                                    </p:set>
+                                  </p:childTnLst>
+                                </p:cTn>
+                              </p:par>
+                            </p:childTnLst>
+                          </p:cTn>
+                        </p:par>
+                      </p:childTnLst>
+                    </p:cTn>
+                  </p:par>
+                  <p:par>
+                    <p:cTn id="21" fill="hold">
+                      <p:stCondLst>
+                        <p:cond delay="indefinite"/>
+                      </p:stCondLst>
+                      <p:childTnLst>
+                        <p:par>
+                          <p:cTn id="22" fill="hold">
+                            <p:stCondLst>
+                              <p:cond delay="0"/>
+                            </p:stCondLst>
+                            <p:childTnLst>
+                              <p:par>
+                                <p:cTn id="23" presetID="1" presetClass="entr" presetSubtype="0" fill="hold" grpId="0" nodeType="clickEffect">
+                                  <p:stCondLst>
+                                    <p:cond delay="0"/>
+                                  </p:stCondLst>
+                                  <p:childTnLst>
+                                    <p:set>
+                                      <p:cBhvr>
+                                        <p:cTn id="24" dur="1" fill="hold">
+                                          <p:stCondLst>
+                                            <p:cond delay="0"/>
+                                          </p:stCondLst>
+                                        </p:cTn>
+                                        <p:tgtEl>
+                                          <p:spTgt spid="12"/>
+                                        </p:tgtEl>
+                                        <p:attrNameLst>
+                                          <p:attrName>style.visibility</p:attrName>
+                                        </p:attrNameLst>
+                                      </p:cBhvr>
+                                      <p:to>
+                                        <p:strVal val="visible"/>
+                                      </p:to>
+                                    </p:set>
+                                  </p:childTnLst>
+                                </p:cTn>
+                              </p:par>
+                              <p:par>
+                                <p:cTn id="25" presetID="1" presetClass="entr" presetSubtype="0" fill="hold" grpId="0" nodeType="withEffect">
+                                  <p:stCondLst>
+                                    <p:cond delay="0"/>
+                                  </p:stCondLst>
+                                  <p:childTnLst>
+                                    <p:set>
+                                      <p:cBhvr>
+                                        <p:cTn id="26" dur="1" fill="hold">
+                                          <p:stCondLst>
+                                            <p:cond delay="0"/>
+                                          </p:stCondLst>
+                                        </p:cTn>
+                                        <p:tgtEl>
+                                          <p:spTgt spid="11"/>
+                                        </p:tgtEl>
+                                        <p:attrNameLst>
+                                          <p:attrName>style.visibility</p:attrName>
+                                        </p:attrNameLst>
+                                      </p:cBhvr>
+                                      <p:to>
+                                        <p:strVal val="visible"/>
+                                      </p:to>
+                                    </p:set>
+                                  </p:childTnLst>
+                                </p:cTn>
+                              </p:par>
+                            </p:childTnLst>
+                          </p:cTn>
+                        </p:par>
+                      </p:childTnLst>
+                    </p:cTn>
+                  </p:par>
+                </p:childTnLst>
+              </p:cTn>
+              <p:prevCondLst>
+                <p:cond evt="onPrev" delay="0">
+                  <p:tgtEl>
+                    <p:sldTgt/>
+                  </p:tgtEl>
+                </p:cond>
+              </p:prevCondLst>
+              <p:nextCondLst>
+                <p:cond evt="onNext" delay="0">
+                  <p:tgtEl>
+                    <p:sldTgt/>
+                  </p:tgtEl>
+                </p:cond>
+              </p:nextCondLst>
+            </p:seq>
+          </p:childTnLst>
+        </p:cTn>
+      </p:par>
+    </p:tnLst>
+    <p:bldLst>
+      <p:bldP spid="4" grpId="0" animBg="1"/>
+      <p:bldP spid="5" grpId="0" animBg="1"/>
+      <p:bldP spid="6" grpId="0" animBg="1"/>
+      <p:bldP spid="7" grpId="0"/>
+      <p:bldP spid="9" grpId="0"/>
+      <p:bldP spid="10" grpId="0"/>
+      <p:bldP spid="11" grpId="0" animBg="1"/>
+      <p:bldP spid="12" grpId="0"/>
+    </p:bldLst>
+  </p:timing>
 </p:sld>
 </file>
 
@@ -12414,7 +13110,7 @@
         <p:spPr>
           <a:xfrm>
             <a:off x="1097280" y="1419225"/>
-            <a:ext cx="9094470" cy="2893100"/>
+            <a:ext cx="6779895" cy="3170099"/>
           </a:xfrm>
           <a:prstGeom prst="rect">
             <a:avLst/>
@@ -12503,6 +13199,36 @@
           </a:p>
         </p:txBody>
       </p:sp>
+      <p:pic>
+        <p:nvPicPr>
+          <p:cNvPr id="5" name="Image 4">
+            <a:extLst>
+              <a:ext uri="{FF2B5EF4-FFF2-40B4-BE49-F238E27FC236}">
+                <a16:creationId xmlns:a16="http://schemas.microsoft.com/office/drawing/2014/main" id="{FAF4DACF-9AEC-45B4-B693-07400EFC9A15}"/>
+              </a:ext>
+            </a:extLst>
+          </p:cNvPr>
+          <p:cNvPicPr>
+            <a:picLocks noChangeAspect="1"/>
+          </p:cNvPicPr>
+          <p:nvPr/>
+        </p:nvPicPr>
+        <p:blipFill>
+          <a:blip r:embed="rId2"/>
+          <a:stretch>
+            <a:fillRect/>
+          </a:stretch>
+        </p:blipFill>
+        <p:spPr>
+          <a:xfrm>
+            <a:off x="8239125" y="1419225"/>
+            <a:ext cx="3532291" cy="3533353"/>
+          </a:xfrm>
+          <a:prstGeom prst="rect">
+            <a:avLst/>
+          </a:prstGeom>
+        </p:spPr>
+      </p:pic>
     </p:spTree>
     <p:extLst>
       <p:ext uri="{BB962C8B-B14F-4D97-AF65-F5344CB8AC3E}">
@@ -12694,7 +13420,7 @@
           <p:nvPr>
             <p:extLst>
               <p:ext uri="{D42A27DB-BD31-4B8C-83A1-F6EECF244321}">
-                <p14:modId xmlns:p14="http://schemas.microsoft.com/office/powerpoint/2010/main" val="2157989264"/>
+                <p14:modId xmlns:p14="http://schemas.microsoft.com/office/powerpoint/2010/main" val="3427164626"/>
               </p:ext>
             </p:extLst>
           </p:nvPr>
@@ -12893,6 +13619,234 @@
   <p:clrMapOvr>
     <a:masterClrMapping/>
   </p:clrMapOvr>
+  <p:timing>
+    <p:tnLst>
+      <p:par>
+        <p:cTn id="1" dur="indefinite" restart="never" nodeType="tmRoot">
+          <p:childTnLst>
+            <p:seq concurrent="1" nextAc="seek">
+              <p:cTn id="2" dur="indefinite" nodeType="mainSeq">
+                <p:childTnLst>
+                  <p:par>
+                    <p:cTn id="3" fill="hold">
+                      <p:stCondLst>
+                        <p:cond delay="indefinite"/>
+                      </p:stCondLst>
+                      <p:childTnLst>
+                        <p:par>
+                          <p:cTn id="4" fill="hold">
+                            <p:stCondLst>
+                              <p:cond delay="0"/>
+                            </p:stCondLst>
+                            <p:childTnLst>
+                              <p:par>
+                                <p:cTn id="5" presetID="1" presetClass="entr" presetSubtype="0" fill="hold" grpId="0" nodeType="clickEffect">
+                                  <p:stCondLst>
+                                    <p:cond delay="0"/>
+                                  </p:stCondLst>
+                                  <p:childTnLst>
+                                    <p:set>
+                                      <p:cBhvr>
+                                        <p:cTn id="6" dur="1" fill="hold">
+                                          <p:stCondLst>
+                                            <p:cond delay="0"/>
+                                          </p:stCondLst>
+                                        </p:cTn>
+                                        <p:tgtEl>
+                                          <p:spTgt spid="8"/>
+                                        </p:tgtEl>
+                                        <p:attrNameLst>
+                                          <p:attrName>style.visibility</p:attrName>
+                                        </p:attrNameLst>
+                                      </p:cBhvr>
+                                      <p:to>
+                                        <p:strVal val="visible"/>
+                                      </p:to>
+                                    </p:set>
+                                  </p:childTnLst>
+                                </p:cTn>
+                              </p:par>
+                              <p:par>
+                                <p:cTn id="7" presetID="1" presetClass="entr" presetSubtype="0" fill="hold" grpId="0" nodeType="withEffect">
+                                  <p:stCondLst>
+                                    <p:cond delay="0"/>
+                                  </p:stCondLst>
+                                  <p:childTnLst>
+                                    <p:set>
+                                      <p:cBhvr>
+                                        <p:cTn id="8" dur="1" fill="hold">
+                                          <p:stCondLst>
+                                            <p:cond delay="0"/>
+                                          </p:stCondLst>
+                                        </p:cTn>
+                                        <p:tgtEl>
+                                          <p:spTgt spid="5"/>
+                                        </p:tgtEl>
+                                        <p:attrNameLst>
+                                          <p:attrName>style.visibility</p:attrName>
+                                        </p:attrNameLst>
+                                      </p:cBhvr>
+                                      <p:to>
+                                        <p:strVal val="visible"/>
+                                      </p:to>
+                                    </p:set>
+                                  </p:childTnLst>
+                                </p:cTn>
+                              </p:par>
+                            </p:childTnLst>
+                          </p:cTn>
+                        </p:par>
+                      </p:childTnLst>
+                    </p:cTn>
+                  </p:par>
+                  <p:par>
+                    <p:cTn id="9" fill="hold">
+                      <p:stCondLst>
+                        <p:cond delay="indefinite"/>
+                      </p:stCondLst>
+                      <p:childTnLst>
+                        <p:par>
+                          <p:cTn id="10" fill="hold">
+                            <p:stCondLst>
+                              <p:cond delay="0"/>
+                            </p:stCondLst>
+                            <p:childTnLst>
+                              <p:par>
+                                <p:cTn id="11" presetID="1" presetClass="entr" presetSubtype="0" fill="hold" grpId="0" nodeType="clickEffect">
+                                  <p:stCondLst>
+                                    <p:cond delay="0"/>
+                                  </p:stCondLst>
+                                  <p:childTnLst>
+                                    <p:set>
+                                      <p:cBhvr>
+                                        <p:cTn id="12" dur="1" fill="hold">
+                                          <p:stCondLst>
+                                            <p:cond delay="0"/>
+                                          </p:stCondLst>
+                                        </p:cTn>
+                                        <p:tgtEl>
+                                          <p:spTgt spid="4"/>
+                                        </p:tgtEl>
+                                        <p:attrNameLst>
+                                          <p:attrName>style.visibility</p:attrName>
+                                        </p:attrNameLst>
+                                      </p:cBhvr>
+                                      <p:to>
+                                        <p:strVal val="visible"/>
+                                      </p:to>
+                                    </p:set>
+                                  </p:childTnLst>
+                                </p:cTn>
+                              </p:par>
+                            </p:childTnLst>
+                          </p:cTn>
+                        </p:par>
+                      </p:childTnLst>
+                    </p:cTn>
+                  </p:par>
+                  <p:par>
+                    <p:cTn id="13" fill="hold">
+                      <p:stCondLst>
+                        <p:cond delay="indefinite"/>
+                      </p:stCondLst>
+                      <p:childTnLst>
+                        <p:par>
+                          <p:cTn id="14" fill="hold">
+                            <p:stCondLst>
+                              <p:cond delay="0"/>
+                            </p:stCondLst>
+                            <p:childTnLst>
+                              <p:par>
+                                <p:cTn id="15" presetID="1" presetClass="entr" presetSubtype="0" fill="hold" grpId="0" nodeType="clickEffect">
+                                  <p:stCondLst>
+                                    <p:cond delay="0"/>
+                                  </p:stCondLst>
+                                  <p:childTnLst>
+                                    <p:set>
+                                      <p:cBhvr>
+                                        <p:cTn id="16" dur="1" fill="hold">
+                                          <p:stCondLst>
+                                            <p:cond delay="0"/>
+                                          </p:stCondLst>
+                                        </p:cTn>
+                                        <p:tgtEl>
+                                          <p:spTgt spid="7"/>
+                                        </p:tgtEl>
+                                        <p:attrNameLst>
+                                          <p:attrName>style.visibility</p:attrName>
+                                        </p:attrNameLst>
+                                      </p:cBhvr>
+                                      <p:to>
+                                        <p:strVal val="visible"/>
+                                      </p:to>
+                                    </p:set>
+                                  </p:childTnLst>
+                                </p:cTn>
+                              </p:par>
+                              <p:par>
+                                <p:cTn id="17" presetID="1" presetClass="entr" presetSubtype="0" fill="hold" grpId="0" nodeType="withEffect">
+                                  <p:stCondLst>
+                                    <p:cond delay="0"/>
+                                  </p:stCondLst>
+                                  <p:childTnLst>
+                                    <p:set>
+                                      <p:cBhvr>
+                                        <p:cTn id="18" dur="1" fill="hold">
+                                          <p:stCondLst>
+                                            <p:cond delay="0"/>
+                                          </p:stCondLst>
+                                        </p:cTn>
+                                        <p:tgtEl>
+                                          <p:spTgt spid="10"/>
+                                        </p:tgtEl>
+                                        <p:attrNameLst>
+                                          <p:attrName>style.visibility</p:attrName>
+                                        </p:attrNameLst>
+                                      </p:cBhvr>
+                                      <p:to>
+                                        <p:strVal val="visible"/>
+                                      </p:to>
+                                    </p:set>
+                                  </p:childTnLst>
+                                </p:cTn>
+                              </p:par>
+                            </p:childTnLst>
+                          </p:cTn>
+                        </p:par>
+                      </p:childTnLst>
+                    </p:cTn>
+                  </p:par>
+                </p:childTnLst>
+              </p:cTn>
+              <p:prevCondLst>
+                <p:cond evt="onPrev" delay="0">
+                  <p:tgtEl>
+                    <p:sldTgt/>
+                  </p:tgtEl>
+                </p:cond>
+              </p:prevCondLst>
+              <p:nextCondLst>
+                <p:cond evt="onNext" delay="0">
+                  <p:tgtEl>
+                    <p:sldTgt/>
+                  </p:tgtEl>
+                </p:cond>
+              </p:nextCondLst>
+            </p:seq>
+          </p:childTnLst>
+        </p:cTn>
+      </p:par>
+    </p:tnLst>
+    <p:bldLst>
+      <p:bldGraphic spid="4" grpId="0">
+        <p:bldAsOne/>
+      </p:bldGraphic>
+      <p:bldP spid="5" grpId="0" animBg="1"/>
+      <p:bldP spid="7" grpId="0" animBg="1"/>
+      <p:bldP spid="8" grpId="0"/>
+      <p:bldP spid="10" grpId="0"/>
+    </p:bldLst>
+  </p:timing>
 </p:sld>
 </file>
 

--- a/Projet Info – Jeu 2048.pptx
+++ b/Projet Info – Jeu 2048.pptx
@@ -19,8 +19,8 @@
     <p:sldId id="266" r:id="rId10"/>
     <p:sldId id="267" r:id="rId11"/>
     <p:sldId id="264" r:id="rId12"/>
-    <p:sldId id="265" r:id="rId13"/>
-    <p:sldId id="269" r:id="rId14"/>
+    <p:sldId id="269" r:id="rId13"/>
+    <p:sldId id="265" r:id="rId14"/>
   </p:sldIdLst>
   <p:sldSz cx="12192000" cy="6858000"/>
   <p:notesSz cx="6858000" cy="9144000"/>
@@ -5312,7 +5312,7 @@
           <a:p>
             <a:fld id="{BE80EC0B-BD71-40E8-BA6B-7DEDCF521DA2}" type="datetimeFigureOut">
               <a:rPr lang="fr-FR" smtClean="0"/>
-              <a:t>18/02/2020</a:t>
+              <a:t>19/02/2020</a:t>
             </a:fld>
             <a:endParaRPr lang="fr-FR"/>
           </a:p>
@@ -5805,7 +5805,7 @@
           <a:p>
             <a:fld id="{36E3CDB5-9ADF-4508-9522-1A5F4CCD8DA4}" type="datetime1">
               <a:rPr lang="fr-FR" smtClean="0"/>
-              <a:t>18/02/2020</a:t>
+              <a:t>19/02/2020</a:t>
             </a:fld>
             <a:endParaRPr lang="fr-FR"/>
           </a:p>
@@ -6013,7 +6013,7 @@
           <a:p>
             <a:fld id="{991F84A3-7A17-4694-B3A7-5693F6B26803}" type="datetime1">
               <a:rPr lang="fr-FR" smtClean="0"/>
-              <a:t>18/02/2020</a:t>
+              <a:t>19/02/2020</a:t>
             </a:fld>
             <a:endParaRPr lang="fr-FR"/>
           </a:p>
@@ -6269,7 +6269,7 @@
           <a:p>
             <a:fld id="{679F5552-42D0-4F11-9293-9A9B9F87B830}" type="datetime1">
               <a:rPr lang="fr-FR" smtClean="0"/>
-              <a:t>18/02/2020</a:t>
+              <a:t>19/02/2020</a:t>
             </a:fld>
             <a:endParaRPr lang="fr-FR"/>
           </a:p>
@@ -6439,7 +6439,7 @@
           <a:p>
             <a:fld id="{6B67BEF6-86A0-4435-96FD-820E1F8A718C}" type="datetime1">
               <a:rPr lang="fr-FR" smtClean="0"/>
-              <a:t>18/02/2020</a:t>
+              <a:t>19/02/2020</a:t>
             </a:fld>
             <a:endParaRPr lang="fr-FR"/>
           </a:p>
@@ -6782,7 +6782,7 @@
           <a:p>
             <a:fld id="{DA91F3EA-4409-4CBC-A0B0-F077A03D5208}" type="datetime1">
               <a:rPr lang="fr-FR" smtClean="0"/>
-              <a:t>18/02/2020</a:t>
+              <a:t>19/02/2020</a:t>
             </a:fld>
             <a:endParaRPr lang="fr-FR"/>
           </a:p>
@@ -7057,7 +7057,7 @@
           <a:p>
             <a:fld id="{F57735D5-45E6-4E70-8AE2-EC3C26243351}" type="datetime1">
               <a:rPr lang="fr-FR" smtClean="0"/>
-              <a:t>18/02/2020</a:t>
+              <a:t>19/02/2020</a:t>
             </a:fld>
             <a:endParaRPr lang="fr-FR"/>
           </a:p>
@@ -7436,7 +7436,7 @@
           <a:p>
             <a:fld id="{14E87F31-D746-4D9A-AB9A-0A7E0B9EDB06}" type="datetime1">
               <a:rPr lang="fr-FR" smtClean="0"/>
-              <a:t>18/02/2020</a:t>
+              <a:t>19/02/2020</a:t>
             </a:fld>
             <a:endParaRPr lang="fr-FR"/>
           </a:p>
@@ -7554,7 +7554,7 @@
           <a:p>
             <a:fld id="{F50DD8B8-564C-438C-925E-A86BB6B75643}" type="datetime1">
               <a:rPr lang="fr-FR" smtClean="0"/>
-              <a:t>18/02/2020</a:t>
+              <a:t>19/02/2020</a:t>
             </a:fld>
             <a:endParaRPr lang="fr-FR"/>
           </a:p>
@@ -7725,7 +7725,7 @@
           <a:p>
             <a:fld id="{2AB2F1CD-DAFC-49D4-BE36-CB702C9788C7}" type="datetime1">
               <a:rPr lang="fr-FR" smtClean="0"/>
-              <a:t>18/02/2020</a:t>
+              <a:t>19/02/2020</a:t>
             </a:fld>
             <a:endParaRPr lang="fr-FR"/>
           </a:p>
@@ -8079,7 +8079,7 @@
           <a:p>
             <a:fld id="{FCD1B47F-E887-4466-BEEF-DF876A9B42D4}" type="datetime1">
               <a:rPr lang="fr-FR" smtClean="0"/>
-              <a:t>18/02/2020</a:t>
+              <a:t>19/02/2020</a:t>
             </a:fld>
             <a:endParaRPr lang="fr-FR"/>
           </a:p>
@@ -8456,7 +8456,7 @@
           <a:p>
             <a:fld id="{F0D484E4-8925-47BE-ADF5-A371DA8C5BA3}" type="datetime1">
               <a:rPr lang="fr-FR" smtClean="0"/>
-              <a:t>18/02/2020</a:t>
+              <a:t>19/02/2020</a:t>
             </a:fld>
             <a:endParaRPr lang="fr-FR"/>
           </a:p>
@@ -8743,7 +8743,7 @@
           <a:p>
             <a:fld id="{0B7BD6F9-0526-4179-A79F-BAD1866B8FEC}" type="datetime1">
               <a:rPr lang="fr-FR" smtClean="0"/>
-              <a:t>18/02/2020</a:t>
+              <a:t>19/02/2020</a:t>
             </a:fld>
             <a:endParaRPr lang="fr-FR"/>
           </a:p>
@@ -10260,6 +10260,95 @@
           <p:cNvPr id="2" name="Titre 1">
             <a:extLst>
               <a:ext uri="{FF2B5EF4-FFF2-40B4-BE49-F238E27FC236}">
+                <a16:creationId xmlns:a16="http://schemas.microsoft.com/office/drawing/2014/main" id="{D15D821F-FB31-435E-AAFC-5FC06DCF213D}"/>
+              </a:ext>
+            </a:extLst>
+          </p:cNvPr>
+          <p:cNvSpPr>
+            <a:spLocks noGrp="1"/>
+          </p:cNvSpPr>
+          <p:nvPr>
+            <p:ph type="title"/>
+          </p:nvPr>
+        </p:nvSpPr>
+        <p:spPr/>
+        <p:txBody>
+          <a:bodyPr>
+            <a:normAutofit fontScale="90000"/>
+          </a:bodyPr>
+          <a:lstStyle/>
+          <a:p>
+            <a:r>
+              <a:rPr lang="fr-FR" dirty="0"/>
+              <a:t>V. Démonstration Intelligence Artificielle</a:t>
+            </a:r>
+          </a:p>
+        </p:txBody>
+      </p:sp>
+      <p:sp>
+        <p:nvSpPr>
+          <p:cNvPr id="3" name="Espace réservé du numéro de diapositive 2">
+            <a:extLst>
+              <a:ext uri="{FF2B5EF4-FFF2-40B4-BE49-F238E27FC236}">
+                <a16:creationId xmlns:a16="http://schemas.microsoft.com/office/drawing/2014/main" id="{BB391FCA-0B2A-475B-B81A-85A37D2A9C3E}"/>
+              </a:ext>
+            </a:extLst>
+          </p:cNvPr>
+          <p:cNvSpPr>
+            <a:spLocks noGrp="1"/>
+          </p:cNvSpPr>
+          <p:nvPr>
+            <p:ph type="sldNum" sz="quarter" idx="12"/>
+          </p:nvPr>
+        </p:nvSpPr>
+        <p:spPr/>
+        <p:txBody>
+          <a:bodyPr/>
+          <a:lstStyle/>
+          <a:p>
+            <a:fld id="{110520EA-A511-4D6B-AF81-17E293A5EF3D}" type="slidenum">
+              <a:rPr lang="fr-FR" smtClean="0"/>
+              <a:t>12</a:t>
+            </a:fld>
+            <a:endParaRPr lang="fr-FR"/>
+          </a:p>
+        </p:txBody>
+      </p:sp>
+    </p:spTree>
+    <p:extLst>
+      <p:ext uri="{BB962C8B-B14F-4D97-AF65-F5344CB8AC3E}">
+        <p14:creationId xmlns:p14="http://schemas.microsoft.com/office/powerpoint/2010/main" val="50423508"/>
+      </p:ext>
+    </p:extLst>
+  </p:cSld>
+  <p:clrMapOvr>
+    <a:masterClrMapping/>
+  </p:clrMapOvr>
+</p:sld>
+</file>
+
+<file path=ppt/slides/slide13.xml><?xml version="1.0" encoding="utf-8"?>
+<p:sld xmlns:a="http://schemas.openxmlformats.org/drawingml/2006/main" xmlns:r="http://schemas.openxmlformats.org/officeDocument/2006/relationships" xmlns:p="http://schemas.openxmlformats.org/presentationml/2006/main">
+  <p:cSld>
+    <p:spTree>
+      <p:nvGrpSpPr>
+        <p:cNvPr id="1" name=""/>
+        <p:cNvGrpSpPr/>
+        <p:nvPr/>
+      </p:nvGrpSpPr>
+      <p:grpSpPr>
+        <a:xfrm>
+          <a:off x="0" y="0"/>
+          <a:ext cx="0" cy="0"/>
+          <a:chOff x="0" y="0"/>
+          <a:chExt cx="0" cy="0"/>
+        </a:xfrm>
+      </p:grpSpPr>
+      <p:sp>
+        <p:nvSpPr>
+          <p:cNvPr id="2" name="Titre 1">
+            <a:extLst>
+              <a:ext uri="{FF2B5EF4-FFF2-40B4-BE49-F238E27FC236}">
                 <a16:creationId xmlns:a16="http://schemas.microsoft.com/office/drawing/2014/main" id="{37580998-D10B-4CB5-89B7-22660D7484C3}"/>
               </a:ext>
             </a:extLst>
@@ -10279,8 +10368,12 @@
           <a:lstStyle/>
           <a:p>
             <a:r>
+              <a:rPr lang="fr-FR"/>
+              <a:t>VI. </a:t>
+            </a:r>
+            <a:r>
               <a:rPr lang="fr-FR" dirty="0"/>
-              <a:t>IV. Intelligence Artificielle – Performances</a:t>
+              <a:t>Intelligence Artificielle – Performances</a:t>
             </a:r>
           </a:p>
         </p:txBody>
@@ -10308,7 +10401,7 @@
           <a:p>
             <a:fld id="{110520EA-A511-4D6B-AF81-17E293A5EF3D}" type="slidenum">
               <a:rPr lang="fr-FR" smtClean="0"/>
-              <a:t>12</a:t>
+              <a:t>13</a:t>
             </a:fld>
             <a:endParaRPr lang="fr-FR"/>
           </a:p>
@@ -10573,95 +10666,6 @@
       <p:bldP spid="4" grpId="0"/>
     </p:bldLst>
   </p:timing>
-</p:sld>
-</file>
-
-<file path=ppt/slides/slide13.xml><?xml version="1.0" encoding="utf-8"?>
-<p:sld xmlns:a="http://schemas.openxmlformats.org/drawingml/2006/main" xmlns:r="http://schemas.openxmlformats.org/officeDocument/2006/relationships" xmlns:p="http://schemas.openxmlformats.org/presentationml/2006/main">
-  <p:cSld>
-    <p:spTree>
-      <p:nvGrpSpPr>
-        <p:cNvPr id="1" name=""/>
-        <p:cNvGrpSpPr/>
-        <p:nvPr/>
-      </p:nvGrpSpPr>
-      <p:grpSpPr>
-        <a:xfrm>
-          <a:off x="0" y="0"/>
-          <a:ext cx="0" cy="0"/>
-          <a:chOff x="0" y="0"/>
-          <a:chExt cx="0" cy="0"/>
-        </a:xfrm>
-      </p:grpSpPr>
-      <p:sp>
-        <p:nvSpPr>
-          <p:cNvPr id="2" name="Titre 1">
-            <a:extLst>
-              <a:ext uri="{FF2B5EF4-FFF2-40B4-BE49-F238E27FC236}">
-                <a16:creationId xmlns:a16="http://schemas.microsoft.com/office/drawing/2014/main" id="{D15D821F-FB31-435E-AAFC-5FC06DCF213D}"/>
-              </a:ext>
-            </a:extLst>
-          </p:cNvPr>
-          <p:cNvSpPr>
-            <a:spLocks noGrp="1"/>
-          </p:cNvSpPr>
-          <p:nvPr>
-            <p:ph type="title"/>
-          </p:nvPr>
-        </p:nvSpPr>
-        <p:spPr/>
-        <p:txBody>
-          <a:bodyPr>
-            <a:normAutofit fontScale="90000"/>
-          </a:bodyPr>
-          <a:lstStyle/>
-          <a:p>
-            <a:r>
-              <a:rPr lang="fr-FR" dirty="0"/>
-              <a:t>V. Démonstration Intelligence Artificielle</a:t>
-            </a:r>
-          </a:p>
-        </p:txBody>
-      </p:sp>
-      <p:sp>
-        <p:nvSpPr>
-          <p:cNvPr id="3" name="Espace réservé du numéro de diapositive 2">
-            <a:extLst>
-              <a:ext uri="{FF2B5EF4-FFF2-40B4-BE49-F238E27FC236}">
-                <a16:creationId xmlns:a16="http://schemas.microsoft.com/office/drawing/2014/main" id="{BB391FCA-0B2A-475B-B81A-85A37D2A9C3E}"/>
-              </a:ext>
-            </a:extLst>
-          </p:cNvPr>
-          <p:cNvSpPr>
-            <a:spLocks noGrp="1"/>
-          </p:cNvSpPr>
-          <p:nvPr>
-            <p:ph type="sldNum" sz="quarter" idx="12"/>
-          </p:nvPr>
-        </p:nvSpPr>
-        <p:spPr/>
-        <p:txBody>
-          <a:bodyPr/>
-          <a:lstStyle/>
-          <a:p>
-            <a:fld id="{110520EA-A511-4D6B-AF81-17E293A5EF3D}" type="slidenum">
-              <a:rPr lang="fr-FR" smtClean="0"/>
-              <a:t>13</a:t>
-            </a:fld>
-            <a:endParaRPr lang="fr-FR"/>
-          </a:p>
-        </p:txBody>
-      </p:sp>
-    </p:spTree>
-    <p:extLst>
-      <p:ext uri="{BB962C8B-B14F-4D97-AF65-F5344CB8AC3E}">
-        <p14:creationId xmlns:p14="http://schemas.microsoft.com/office/powerpoint/2010/main" val="50423508"/>
-      </p:ext>
-    </p:extLst>
-  </p:cSld>
-  <p:clrMapOvr>
-    <a:masterClrMapping/>
-  </p:clrMapOvr>
 </p:sld>
 </file>
 
